--- a/Pictures/Affects of  Homeownership Rates in USA.pptx
+++ b/Pictures/Affects of  Homeownership Rates in USA.pptx
@@ -7,11 +7,15 @@
   <p:sldIdLst>
     <p:sldId id="256" r:id="rId2"/>
     <p:sldId id="258" r:id="rId3"/>
-    <p:sldId id="257" r:id="rId4"/>
-    <p:sldId id="259" r:id="rId5"/>
-    <p:sldId id="260" r:id="rId6"/>
-    <p:sldId id="261" r:id="rId7"/>
-    <p:sldId id="262" r:id="rId8"/>
+    <p:sldId id="263" r:id="rId4"/>
+    <p:sldId id="264" r:id="rId5"/>
+    <p:sldId id="265" r:id="rId6"/>
+    <p:sldId id="257" r:id="rId7"/>
+    <p:sldId id="259" r:id="rId8"/>
+    <p:sldId id="260" r:id="rId9"/>
+    <p:sldId id="261" r:id="rId10"/>
+    <p:sldId id="262" r:id="rId11"/>
+    <p:sldId id="266" r:id="rId12"/>
   </p:sldIdLst>
   <p:sldSz cx="12192000" cy="6858000"/>
   <p:notesSz cx="6858000" cy="9144000"/>
@@ -110,6 +114,11 @@
       </a:defRPr>
     </a:lvl9pPr>
   </p:defaultTextStyle>
+  <p:extLst>
+    <p:ext uri="{EFAFB233-063F-42B5-8137-9DF3F51BA10A}">
+      <p15:sldGuideLst xmlns:p15="http://schemas.microsoft.com/office/powerpoint/2012/main"/>
+    </p:ext>
+  </p:extLst>
 </p:presentation>
 </file>
 
@@ -260,7 +269,7 @@
           <a:p>
             <a:fld id="{1237EC93-07A5-4E71-B0C6-38F8F7ACCF17}" type="datetimeFigureOut">
               <a:rPr lang="en-US" smtClean="0"/>
-              <a:t>9/8/2019</a:t>
+              <a:t>9/9/2019</a:t>
             </a:fld>
             <a:endParaRPr lang="en-US"/>
           </a:p>
@@ -458,7 +467,7 @@
           <a:p>
             <a:fld id="{1237EC93-07A5-4E71-B0C6-38F8F7ACCF17}" type="datetimeFigureOut">
               <a:rPr lang="en-US" smtClean="0"/>
-              <a:t>9/8/2019</a:t>
+              <a:t>9/9/2019</a:t>
             </a:fld>
             <a:endParaRPr lang="en-US"/>
           </a:p>
@@ -666,7 +675,7 @@
           <a:p>
             <a:fld id="{1237EC93-07A5-4E71-B0C6-38F8F7ACCF17}" type="datetimeFigureOut">
               <a:rPr lang="en-US" smtClean="0"/>
-              <a:t>9/8/2019</a:t>
+              <a:t>9/9/2019</a:t>
             </a:fld>
             <a:endParaRPr lang="en-US"/>
           </a:p>
@@ -864,7 +873,7 @@
           <a:p>
             <a:fld id="{1237EC93-07A5-4E71-B0C6-38F8F7ACCF17}" type="datetimeFigureOut">
               <a:rPr lang="en-US" smtClean="0"/>
-              <a:t>9/8/2019</a:t>
+              <a:t>9/9/2019</a:t>
             </a:fld>
             <a:endParaRPr lang="en-US"/>
           </a:p>
@@ -1139,7 +1148,7 @@
           <a:p>
             <a:fld id="{1237EC93-07A5-4E71-B0C6-38F8F7ACCF17}" type="datetimeFigureOut">
               <a:rPr lang="en-US" smtClean="0"/>
-              <a:t>9/8/2019</a:t>
+              <a:t>9/9/2019</a:t>
             </a:fld>
             <a:endParaRPr lang="en-US"/>
           </a:p>
@@ -1404,7 +1413,7 @@
           <a:p>
             <a:fld id="{1237EC93-07A5-4E71-B0C6-38F8F7ACCF17}" type="datetimeFigureOut">
               <a:rPr lang="en-US" smtClean="0"/>
-              <a:t>9/8/2019</a:t>
+              <a:t>9/9/2019</a:t>
             </a:fld>
             <a:endParaRPr lang="en-US"/>
           </a:p>
@@ -1816,7 +1825,7 @@
           <a:p>
             <a:fld id="{1237EC93-07A5-4E71-B0C6-38F8F7ACCF17}" type="datetimeFigureOut">
               <a:rPr lang="en-US" smtClean="0"/>
-              <a:t>9/8/2019</a:t>
+              <a:t>9/9/2019</a:t>
             </a:fld>
             <a:endParaRPr lang="en-US"/>
           </a:p>
@@ -1957,7 +1966,7 @@
           <a:p>
             <a:fld id="{1237EC93-07A5-4E71-B0C6-38F8F7ACCF17}" type="datetimeFigureOut">
               <a:rPr lang="en-US" smtClean="0"/>
-              <a:t>9/8/2019</a:t>
+              <a:t>9/9/2019</a:t>
             </a:fld>
             <a:endParaRPr lang="en-US"/>
           </a:p>
@@ -2070,7 +2079,7 @@
           <a:p>
             <a:fld id="{1237EC93-07A5-4E71-B0C6-38F8F7ACCF17}" type="datetimeFigureOut">
               <a:rPr lang="en-US" smtClean="0"/>
-              <a:t>9/8/2019</a:t>
+              <a:t>9/9/2019</a:t>
             </a:fld>
             <a:endParaRPr lang="en-US"/>
           </a:p>
@@ -2381,7 +2390,7 @@
           <a:p>
             <a:fld id="{1237EC93-07A5-4E71-B0C6-38F8F7ACCF17}" type="datetimeFigureOut">
               <a:rPr lang="en-US" smtClean="0"/>
-              <a:t>9/8/2019</a:t>
+              <a:t>9/9/2019</a:t>
             </a:fld>
             <a:endParaRPr lang="en-US"/>
           </a:p>
@@ -2669,7 +2678,7 @@
           <a:p>
             <a:fld id="{1237EC93-07A5-4E71-B0C6-38F8F7ACCF17}" type="datetimeFigureOut">
               <a:rPr lang="en-US" smtClean="0"/>
-              <a:t>9/8/2019</a:t>
+              <a:t>9/9/2019</a:t>
             </a:fld>
             <a:endParaRPr lang="en-US"/>
           </a:p>
@@ -2910,7 +2919,7 @@
           <a:p>
             <a:fld id="{1237EC93-07A5-4E71-B0C6-38F8F7ACCF17}" type="datetimeFigureOut">
               <a:rPr lang="en-US" smtClean="0"/>
-              <a:t>9/8/2019</a:t>
+              <a:t>9/9/2019</a:t>
             </a:fld>
             <a:endParaRPr lang="en-US"/>
           </a:p>
@@ -3313,6 +3322,14 @@
 <file path=ppt/slides/slide1.xml><?xml version="1.0" encoding="utf-8"?>
 <p:sld xmlns:a="http://schemas.openxmlformats.org/drawingml/2006/main" xmlns:r="http://schemas.openxmlformats.org/officeDocument/2006/relationships" xmlns:p="http://schemas.openxmlformats.org/presentationml/2006/main">
   <p:cSld>
+    <p:bg>
+      <p:bgPr>
+        <a:solidFill>
+          <a:schemeClr val="bg1"/>
+        </a:solidFill>
+        <a:effectLst/>
+      </p:bgPr>
+    </p:bg>
     <p:spTree>
       <p:nvGrpSpPr>
         <p:cNvPr id="1" name=""/>
@@ -3329,6 +3346,136 @@
       </p:grpSpPr>
       <p:sp>
         <p:nvSpPr>
+          <p:cNvPr id="8" name="Rectangle 7">
+            <a:extLst>
+              <a:ext uri="{FF2B5EF4-FFF2-40B4-BE49-F238E27FC236}">
+                <a16:creationId xmlns:a16="http://schemas.microsoft.com/office/drawing/2014/main" id="{23962611-DFD5-4092-AAFD-559E3DFCE2C9}"/>
+              </a:ext>
+              <a:ext uri="{C183D7F6-B498-43B3-948B-1728B52AA6E4}">
+                <adec:decorative xmlns:adec="http://schemas.microsoft.com/office/drawing/2017/decorative" val="1"/>
+              </a:ext>
+            </a:extLst>
+          </p:cNvPr>
+          <p:cNvSpPr>
+            <a:spLocks noGrp="1" noRot="1" noChangeAspect="1" noMove="1" noResize="1" noEditPoints="1" noAdjustHandles="1" noChangeArrowheads="1" noChangeShapeType="1" noTextEdit="1"/>
+          </p:cNvSpPr>
+          <p:nvPr>
+            <p:extLst>
+              <p:ext uri="{386F3935-93C4-4BCD-93E2-E3B085C9AB24}">
+                <p16:designElem xmlns:p16="http://schemas.microsoft.com/office/powerpoint/2015/main" val="1"/>
+              </p:ext>
+            </p:extLst>
+          </p:nvPr>
+        </p:nvSpPr>
+        <p:spPr>
+          <a:xfrm>
+            <a:off x="475488" y="0"/>
+            <a:ext cx="10910292" cy="6858000"/>
+          </a:xfrm>
+          <a:prstGeom prst="rect">
+            <a:avLst/>
+          </a:prstGeom>
+          <a:gradFill>
+            <a:gsLst>
+              <a:gs pos="0">
+                <a:schemeClr val="accent1">
+                  <a:lumMod val="90000"/>
+                </a:schemeClr>
+              </a:gs>
+              <a:gs pos="25000">
+                <a:schemeClr val="accent1">
+                  <a:lumMod val="90000"/>
+                </a:schemeClr>
+              </a:gs>
+              <a:gs pos="94000">
+                <a:schemeClr val="bg2">
+                  <a:lumMod val="25000"/>
+                </a:schemeClr>
+              </a:gs>
+              <a:gs pos="100000">
+                <a:schemeClr val="bg2">
+                  <a:lumMod val="25000"/>
+                </a:schemeClr>
+              </a:gs>
+            </a:gsLst>
+            <a:lin ang="4200000" scaled="0"/>
+          </a:gradFill>
+          <a:ln>
+            <a:noFill/>
+          </a:ln>
+        </p:spPr>
+        <p:style>
+          <a:lnRef idx="2">
+            <a:schemeClr val="accent1">
+              <a:shade val="50000"/>
+            </a:schemeClr>
+          </a:lnRef>
+          <a:fillRef idx="1">
+            <a:schemeClr val="accent1"/>
+          </a:fillRef>
+          <a:effectRef idx="0">
+            <a:schemeClr val="accent1"/>
+          </a:effectRef>
+          <a:fontRef idx="minor">
+            <a:schemeClr val="lt1"/>
+          </a:fontRef>
+        </p:style>
+        <p:txBody>
+          <a:bodyPr rtlCol="0" anchor="ctr"/>
+          <a:lstStyle/>
+          <a:p>
+            <a:pPr algn="ctr"/>
+            <a:endParaRPr lang="en-US"/>
+          </a:p>
+        </p:txBody>
+      </p:sp>
+      <p:pic>
+        <p:nvPicPr>
+          <p:cNvPr id="10" name="Picture 9">
+            <a:extLst>
+              <a:ext uri="{FF2B5EF4-FFF2-40B4-BE49-F238E27FC236}">
+                <a16:creationId xmlns:a16="http://schemas.microsoft.com/office/drawing/2014/main" id="{2270F1FA-0425-408F-9861-80BF5AFB276D}"/>
+              </a:ext>
+              <a:ext uri="{C183D7F6-B498-43B3-948B-1728B52AA6E4}">
+                <adec:decorative xmlns:adec="http://schemas.microsoft.com/office/drawing/2017/decorative" val="1"/>
+              </a:ext>
+            </a:extLst>
+          </p:cNvPr>
+          <p:cNvPicPr>
+            <a:picLocks noGrp="1" noRot="1" noChangeAspect="1" noMove="1" noResize="1" noEditPoints="1" noAdjustHandles="1" noChangeArrowheads="1" noChangeShapeType="1" noCrop="1"/>
+          </p:cNvPicPr>
+          <p:nvPr>
+            <p:extLst>
+              <p:ext uri="{386F3935-93C4-4BCD-93E2-E3B085C9AB24}">
+                <p16:designElem xmlns:p16="http://schemas.microsoft.com/office/powerpoint/2015/main" val="1"/>
+              </p:ext>
+            </p:extLst>
+          </p:nvPr>
+        </p:nvPicPr>
+        <p:blipFill>
+          <a:blip r:embed="rId2">
+            <a:extLst>
+              <a:ext uri="{28A0092B-C50C-407E-A947-70E740481C1C}">
+                <a14:useLocalDpi xmlns:a14="http://schemas.microsoft.com/office/drawing/2010/main" val="0"/>
+              </a:ext>
+            </a:extLst>
+          </a:blip>
+          <a:stretch>
+            <a:fillRect/>
+          </a:stretch>
+        </p:blipFill>
+        <p:spPr>
+          <a:xfrm>
+            <a:off x="0" y="0"/>
+            <a:ext cx="12192000" cy="6858000"/>
+          </a:xfrm>
+          <a:prstGeom prst="rect">
+            <a:avLst/>
+          </a:prstGeom>
+        </p:spPr>
+      </p:pic>
+      <p:sp>
+        <p:nvSpPr>
           <p:cNvPr id="2" name="Title 1">
             <a:extLst>
               <a:ext uri="{FF2B5EF4-FFF2-40B4-BE49-F238E27FC236}">
@@ -3343,13 +3490,24 @@
             <p:ph type="ctrTitle"/>
           </p:nvPr>
         </p:nvSpPr>
-        <p:spPr/>
-        <p:txBody>
-          <a:bodyPr/>
-          <a:lstStyle/>
-          <a:p>
-            <a:r>
-              <a:rPr lang="en-US" dirty="0"/>
+        <p:spPr>
+          <a:xfrm>
+            <a:off x="3045368" y="2043663"/>
+            <a:ext cx="6105194" cy="2031055"/>
+          </a:xfrm>
+        </p:spPr>
+        <p:txBody>
+          <a:bodyPr>
+            <a:normAutofit/>
+          </a:bodyPr>
+          <a:lstStyle/>
+          <a:p>
+            <a:r>
+              <a:rPr lang="en-US" sz="4700">
+                <a:solidFill>
+                  <a:srgbClr val="FFFFFF"/>
+                </a:solidFill>
+              </a:rPr>
               <a:t>Affects of  Homeownership Rates in USA</a:t>
             </a:r>
           </a:p>
@@ -3371,13 +3529,24 @@
             <p:ph type="subTitle" idx="1"/>
           </p:nvPr>
         </p:nvSpPr>
-        <p:spPr/>
-        <p:txBody>
-          <a:bodyPr/>
-          <a:lstStyle/>
-          <a:p>
-            <a:r>
-              <a:rPr lang="en-US" dirty="0"/>
+        <p:spPr>
+          <a:xfrm>
+            <a:off x="3045368" y="4074718"/>
+            <a:ext cx="6105194" cy="682079"/>
+          </a:xfrm>
+        </p:spPr>
+        <p:txBody>
+          <a:bodyPr>
+            <a:normAutofit/>
+          </a:bodyPr>
+          <a:lstStyle/>
+          <a:p>
+            <a:r>
+              <a:rPr lang="en-US" sz="2000">
+                <a:solidFill>
+                  <a:srgbClr val="FFFFFF"/>
+                </a:solidFill>
+              </a:rPr>
               <a:t>Natasha Crosby, Rebeca Lamas, Johnathon Maupin, and Taylor McDougal</a:t>
             </a:r>
           </a:p>
@@ -3396,7 +3565,7 @@
 </p:sld>
 </file>
 
-<file path=ppt/slides/slide2.xml><?xml version="1.0" encoding="utf-8"?>
+<file path=ppt/slides/slide10.xml><?xml version="1.0" encoding="utf-8"?>
 <p:sld xmlns:a="http://schemas.openxmlformats.org/drawingml/2006/main" xmlns:r="http://schemas.openxmlformats.org/officeDocument/2006/relationships" xmlns:p="http://schemas.openxmlformats.org/presentationml/2006/main">
   <p:cSld>
     <p:spTree>
@@ -3418,6 +3587,603 @@
           <p:cNvPr id="2" name="Title 1">
             <a:extLst>
               <a:ext uri="{FF2B5EF4-FFF2-40B4-BE49-F238E27FC236}">
+                <a16:creationId xmlns:a16="http://schemas.microsoft.com/office/drawing/2014/main" id="{F06F506B-7CCF-481E-AE3F-034C0388A62B}"/>
+              </a:ext>
+            </a:extLst>
+          </p:cNvPr>
+          <p:cNvSpPr>
+            <a:spLocks noGrp="1"/>
+          </p:cNvSpPr>
+          <p:nvPr>
+            <p:ph type="title"/>
+          </p:nvPr>
+        </p:nvSpPr>
+        <p:spPr/>
+        <p:txBody>
+          <a:bodyPr/>
+          <a:lstStyle/>
+          <a:p>
+            <a:r>
+              <a:rPr lang="en-US" dirty="0"/>
+              <a:t>Affects of Income on HOR</a:t>
+            </a:r>
+          </a:p>
+        </p:txBody>
+      </p:sp>
+      <p:sp>
+        <p:nvSpPr>
+          <p:cNvPr id="3" name="Content Placeholder 2">
+            <a:extLst>
+              <a:ext uri="{FF2B5EF4-FFF2-40B4-BE49-F238E27FC236}">
+                <a16:creationId xmlns:a16="http://schemas.microsoft.com/office/drawing/2014/main" id="{31BCA242-0CEB-4E0F-959D-F023599D8E4D}"/>
+              </a:ext>
+            </a:extLst>
+          </p:cNvPr>
+          <p:cNvSpPr>
+            <a:spLocks noGrp="1"/>
+          </p:cNvSpPr>
+          <p:nvPr>
+            <p:ph sz="half" idx="1"/>
+          </p:nvPr>
+        </p:nvSpPr>
+        <p:spPr/>
+        <p:txBody>
+          <a:bodyPr/>
+          <a:lstStyle/>
+          <a:p>
+            <a:endParaRPr lang="en-US"/>
+          </a:p>
+        </p:txBody>
+      </p:sp>
+      <p:sp>
+        <p:nvSpPr>
+          <p:cNvPr id="4" name="Content Placeholder 3">
+            <a:extLst>
+              <a:ext uri="{FF2B5EF4-FFF2-40B4-BE49-F238E27FC236}">
+                <a16:creationId xmlns:a16="http://schemas.microsoft.com/office/drawing/2014/main" id="{2CBB780E-4D4E-40B5-91CD-4749D3A255EA}"/>
+              </a:ext>
+            </a:extLst>
+          </p:cNvPr>
+          <p:cNvSpPr>
+            <a:spLocks noGrp="1"/>
+          </p:cNvSpPr>
+          <p:nvPr>
+            <p:ph sz="half" idx="2"/>
+          </p:nvPr>
+        </p:nvSpPr>
+        <p:spPr/>
+        <p:txBody>
+          <a:bodyPr/>
+          <a:lstStyle/>
+          <a:p>
+            <a:endParaRPr lang="en-US"/>
+          </a:p>
+        </p:txBody>
+      </p:sp>
+    </p:spTree>
+    <p:extLst>
+      <p:ext uri="{BB962C8B-B14F-4D97-AF65-F5344CB8AC3E}">
+        <p14:creationId xmlns:p14="http://schemas.microsoft.com/office/powerpoint/2010/main" val="3589021501"/>
+      </p:ext>
+    </p:extLst>
+  </p:cSld>
+  <p:clrMapOvr>
+    <a:masterClrMapping/>
+  </p:clrMapOvr>
+</p:sld>
+</file>
+
+<file path=ppt/slides/slide11.xml><?xml version="1.0" encoding="utf-8"?>
+<p:sld xmlns:a="http://schemas.openxmlformats.org/drawingml/2006/main" xmlns:r="http://schemas.openxmlformats.org/officeDocument/2006/relationships" xmlns:p="http://schemas.openxmlformats.org/presentationml/2006/main">
+  <p:cSld>
+    <p:bg>
+      <p:bgPr>
+        <a:solidFill>
+          <a:schemeClr val="bg1">
+            <a:tint val="95000"/>
+            <a:satMod val="170000"/>
+          </a:schemeClr>
+        </a:solidFill>
+        <a:effectLst/>
+      </p:bgPr>
+    </p:bg>
+    <p:spTree>
+      <p:nvGrpSpPr>
+        <p:cNvPr id="1" name=""/>
+        <p:cNvGrpSpPr/>
+        <p:nvPr/>
+      </p:nvGrpSpPr>
+      <p:grpSpPr>
+        <a:xfrm>
+          <a:off x="0" y="0"/>
+          <a:ext cx="0" cy="0"/>
+          <a:chOff x="0" y="0"/>
+          <a:chExt cx="0" cy="0"/>
+        </a:xfrm>
+      </p:grpSpPr>
+      <p:sp>
+        <p:nvSpPr>
+          <p:cNvPr id="8" name="Rectangle 7">
+            <a:extLst>
+              <a:ext uri="{FF2B5EF4-FFF2-40B4-BE49-F238E27FC236}">
+                <a16:creationId xmlns:a16="http://schemas.microsoft.com/office/drawing/2014/main" id="{E945E29B-B971-41C6-A57B-B29BBB108A39}"/>
+              </a:ext>
+              <a:ext uri="{C183D7F6-B498-43B3-948B-1728B52AA6E4}">
+                <adec:decorative xmlns:adec="http://schemas.microsoft.com/office/drawing/2017/decorative" val="1"/>
+              </a:ext>
+            </a:extLst>
+          </p:cNvPr>
+          <p:cNvSpPr>
+            <a:spLocks noGrp="1" noRot="1" noChangeAspect="1" noMove="1" noResize="1" noEditPoints="1" noAdjustHandles="1" noChangeArrowheads="1" noChangeShapeType="1" noTextEdit="1"/>
+          </p:cNvSpPr>
+          <p:nvPr>
+            <p:extLst>
+              <p:ext uri="{386F3935-93C4-4BCD-93E2-E3B085C9AB24}">
+                <p16:designElem xmlns:p16="http://schemas.microsoft.com/office/powerpoint/2015/main" val="1"/>
+              </p:ext>
+            </p:extLst>
+          </p:nvPr>
+        </p:nvSpPr>
+        <p:spPr>
+          <a:xfrm>
+            <a:off x="0" y="0"/>
+            <a:ext cx="12192000" cy="6858001"/>
+          </a:xfrm>
+          <a:prstGeom prst="rect">
+            <a:avLst/>
+          </a:prstGeom>
+          <a:solidFill>
+            <a:schemeClr val="tx2"/>
+          </a:solidFill>
+          <a:ln>
+            <a:noFill/>
+          </a:ln>
+        </p:spPr>
+        <p:style>
+          <a:lnRef idx="2">
+            <a:schemeClr val="accent1">
+              <a:shade val="50000"/>
+            </a:schemeClr>
+          </a:lnRef>
+          <a:fillRef idx="1">
+            <a:schemeClr val="accent1"/>
+          </a:fillRef>
+          <a:effectRef idx="0">
+            <a:schemeClr val="accent1"/>
+          </a:effectRef>
+          <a:fontRef idx="minor">
+            <a:schemeClr val="lt1"/>
+          </a:fontRef>
+        </p:style>
+        <p:txBody>
+          <a:bodyPr rtlCol="0" anchor="ctr"/>
+          <a:lstStyle/>
+          <a:p>
+            <a:pPr marL="0" marR="0" lvl="0" indent="0" algn="ctr" defTabSz="914400" rtl="0" eaLnBrk="1" fontAlgn="auto" latinLnBrk="0" hangingPunct="1">
+              <a:lnSpc>
+                <a:spcPct val="100000"/>
+              </a:lnSpc>
+              <a:spcBef>
+                <a:spcPts val="0"/>
+              </a:spcBef>
+              <a:spcAft>
+                <a:spcPts val="0"/>
+              </a:spcAft>
+              <a:buClrTx/>
+              <a:buSzTx/>
+              <a:buFontTx/>
+              <a:buNone/>
+              <a:tabLst/>
+              <a:defRPr/>
+            </a:pPr>
+            <a:endParaRPr kumimoji="0" lang="en-US" sz="1800" b="0" i="0" u="none" strike="noStrike" kern="1200" cap="none" spc="0" normalizeH="0" baseline="0" noProof="0">
+              <a:ln>
+                <a:noFill/>
+              </a:ln>
+              <a:solidFill>
+                <a:prstClr val="white"/>
+              </a:solidFill>
+              <a:effectLst/>
+              <a:uLnTx/>
+              <a:uFillTx/>
+              <a:latin typeface="Calibri" panose="020F0502020204030204"/>
+              <a:ea typeface="+mn-ea"/>
+              <a:cs typeface="+mn-cs"/>
+            </a:endParaRPr>
+          </a:p>
+        </p:txBody>
+      </p:sp>
+      <p:grpSp>
+        <p:nvGrpSpPr>
+          <p:cNvPr id="10" name="Group 9">
+            <a:extLst>
+              <a:ext uri="{FF2B5EF4-FFF2-40B4-BE49-F238E27FC236}">
+                <a16:creationId xmlns:a16="http://schemas.microsoft.com/office/drawing/2014/main" id="{4C76015D-CFEA-4204-9A50-352560FFC252}"/>
+              </a:ext>
+              <a:ext uri="{C183D7F6-B498-43B3-948B-1728B52AA6E4}">
+                <adec:decorative xmlns:adec="http://schemas.microsoft.com/office/drawing/2017/decorative" val="1"/>
+              </a:ext>
+            </a:extLst>
+          </p:cNvPr>
+          <p:cNvGrpSpPr>
+            <a:grpSpLocks noGrp="1" noUngrp="1" noRot="1" noChangeAspect="1" noMove="1" noResize="1"/>
+          </p:cNvGrpSpPr>
+          <p:nvPr>
+            <p:extLst>
+              <p:ext uri="{386F3935-93C4-4BCD-93E2-E3B085C9AB24}">
+                <p16:designElem xmlns:p16="http://schemas.microsoft.com/office/powerpoint/2015/main" val="1"/>
+              </p:ext>
+            </p:extLst>
+          </p:nvPr>
+        </p:nvGrpSpPr>
+        <p:grpSpPr>
+          <a:xfrm>
+            <a:off x="1155481" y="498348"/>
+            <a:ext cx="9902663" cy="5861304"/>
+            <a:chOff x="1155481" y="498348"/>
+            <a:chExt cx="9902663" cy="5861304"/>
+          </a:xfrm>
+        </p:grpSpPr>
+        <p:sp>
+          <p:nvSpPr>
+            <p:cNvPr id="11" name="Oval 5">
+              <a:extLst>
+                <a:ext uri="{FF2B5EF4-FFF2-40B4-BE49-F238E27FC236}">
+                  <a16:creationId xmlns:a16="http://schemas.microsoft.com/office/drawing/2014/main" id="{7325C43C-72B5-4DC9-B386-90859B58BF0D}"/>
+                </a:ext>
+                <a:ext uri="{C183D7F6-B498-43B3-948B-1728B52AA6E4}">
+                  <adec:decorative xmlns:adec="http://schemas.microsoft.com/office/drawing/2017/decorative" val="1"/>
+                </a:ext>
+              </a:extLst>
+            </p:cNvPr>
+            <p:cNvSpPr>
+              <a:spLocks noChangeArrowheads="1"/>
+            </p:cNvSpPr>
+            <p:nvPr>
+              <p:extLst>
+                <p:ext uri="{386F3935-93C4-4BCD-93E2-E3B085C9AB24}">
+                  <p16:designElem xmlns:p16="http://schemas.microsoft.com/office/powerpoint/2015/main" val="1"/>
+                </p:ext>
+              </p:extLst>
+            </p:nvPr>
+          </p:nvSpPr>
+          <p:spPr bwMode="auto">
+            <a:xfrm>
+              <a:off x="1155481" y="498348"/>
+              <a:ext cx="5861304" cy="5861304"/>
+            </a:xfrm>
+            <a:prstGeom prst="ellipse">
+              <a:avLst/>
+            </a:prstGeom>
+            <a:solidFill>
+              <a:schemeClr val="accent1">
+                <a:alpha val="55000"/>
+              </a:schemeClr>
+            </a:solidFill>
+            <a:ln>
+              <a:noFill/>
+            </a:ln>
+          </p:spPr>
+        </p:sp>
+        <p:sp>
+          <p:nvSpPr>
+            <p:cNvPr id="12" name="Oval 11">
+              <a:extLst>
+                <a:ext uri="{FF2B5EF4-FFF2-40B4-BE49-F238E27FC236}">
+                  <a16:creationId xmlns:a16="http://schemas.microsoft.com/office/drawing/2014/main" id="{C95AD9A4-5AF5-48C4-BC2A-635316433A45}"/>
+                </a:ext>
+                <a:ext uri="{C183D7F6-B498-43B3-948B-1728B52AA6E4}">
+                  <adec:decorative xmlns:adec="http://schemas.microsoft.com/office/drawing/2017/decorative" val="1"/>
+                </a:ext>
+              </a:extLst>
+            </p:cNvPr>
+            <p:cNvSpPr>
+              <a:spLocks noChangeArrowheads="1"/>
+            </p:cNvSpPr>
+            <p:nvPr>
+              <p:extLst>
+                <p:ext uri="{386F3935-93C4-4BCD-93E2-E3B085C9AB24}">
+                  <p16:designElem xmlns:p16="http://schemas.microsoft.com/office/powerpoint/2015/main" val="1"/>
+                </p:ext>
+              </p:extLst>
+            </p:nvPr>
+          </p:nvSpPr>
+          <p:spPr bwMode="auto">
+            <a:xfrm>
+              <a:off x="5196840" y="498348"/>
+              <a:ext cx="5861304" cy="5861304"/>
+            </a:xfrm>
+            <a:prstGeom prst="ellipse">
+              <a:avLst/>
+            </a:prstGeom>
+            <a:solidFill>
+              <a:schemeClr val="accent1">
+                <a:alpha val="55000"/>
+              </a:schemeClr>
+            </a:solidFill>
+            <a:ln>
+              <a:noFill/>
+            </a:ln>
+          </p:spPr>
+        </p:sp>
+        <p:sp>
+          <p:nvSpPr>
+            <p:cNvPr id="13" name="Oval 5">
+              <a:extLst>
+                <a:ext uri="{FF2B5EF4-FFF2-40B4-BE49-F238E27FC236}">
+                  <a16:creationId xmlns:a16="http://schemas.microsoft.com/office/drawing/2014/main" id="{AF4A3D62-D56C-4A32-8C75-100D383EC615}"/>
+                </a:ext>
+                <a:ext uri="{C183D7F6-B498-43B3-948B-1728B52AA6E4}">
+                  <adec:decorative xmlns:adec="http://schemas.microsoft.com/office/drawing/2017/decorative" val="1"/>
+                </a:ext>
+              </a:extLst>
+            </p:cNvPr>
+            <p:cNvSpPr>
+              <a:spLocks noChangeArrowheads="1"/>
+            </p:cNvSpPr>
+            <p:nvPr>
+              <p:extLst>
+                <p:ext uri="{386F3935-93C4-4BCD-93E2-E3B085C9AB24}">
+                  <p16:designElem xmlns:p16="http://schemas.microsoft.com/office/powerpoint/2015/main" val="1"/>
+                </p:ext>
+              </p:extLst>
+            </p:nvPr>
+          </p:nvSpPr>
+          <p:spPr bwMode="auto">
+            <a:xfrm>
+              <a:off x="3165348" y="498348"/>
+              <a:ext cx="5861304" cy="5861304"/>
+            </a:xfrm>
+            <a:prstGeom prst="ellipse">
+              <a:avLst/>
+            </a:prstGeom>
+            <a:solidFill>
+              <a:schemeClr val="accent1">
+                <a:alpha val="70000"/>
+              </a:schemeClr>
+            </a:solidFill>
+            <a:ln>
+              <a:noFill/>
+            </a:ln>
+          </p:spPr>
+        </p:sp>
+      </p:grpSp>
+      <p:sp useBgFill="1">
+        <p:nvSpPr>
+          <p:cNvPr id="15" name="Rectangle 14">
+            <a:extLst>
+              <a:ext uri="{FF2B5EF4-FFF2-40B4-BE49-F238E27FC236}">
+                <a16:creationId xmlns:a16="http://schemas.microsoft.com/office/drawing/2014/main" id="{3E1F47E4-066D-4C27-98C8-B2B2C7BABFEC}"/>
+              </a:ext>
+              <a:ext uri="{C183D7F6-B498-43B3-948B-1728B52AA6E4}">
+                <adec:decorative xmlns:adec="http://schemas.microsoft.com/office/drawing/2017/decorative" val="1"/>
+              </a:ext>
+            </a:extLst>
+          </p:cNvPr>
+          <p:cNvSpPr>
+            <a:spLocks noGrp="1" noRot="1" noChangeAspect="1" noMove="1" noResize="1" noEditPoints="1" noAdjustHandles="1" noChangeArrowheads="1" noChangeShapeType="1" noTextEdit="1"/>
+          </p:cNvSpPr>
+          <p:nvPr>
+            <p:extLst>
+              <p:ext uri="{386F3935-93C4-4BCD-93E2-E3B085C9AB24}">
+                <p16:designElem xmlns:p16="http://schemas.microsoft.com/office/powerpoint/2015/main" val="1"/>
+              </p:ext>
+            </p:extLst>
+          </p:nvPr>
+        </p:nvSpPr>
+        <p:spPr>
+          <a:xfrm>
+            <a:off x="0" y="1438772"/>
+            <a:ext cx="12192000" cy="3980456"/>
+          </a:xfrm>
+          <a:prstGeom prst="rect">
+            <a:avLst/>
+          </a:prstGeom>
+          <a:ln>
+            <a:noFill/>
+          </a:ln>
+        </p:spPr>
+        <p:style>
+          <a:lnRef idx="2">
+            <a:schemeClr val="accent1">
+              <a:shade val="50000"/>
+            </a:schemeClr>
+          </a:lnRef>
+          <a:fillRef idx="1">
+            <a:schemeClr val="accent1"/>
+          </a:fillRef>
+          <a:effectRef idx="0">
+            <a:schemeClr val="accent1"/>
+          </a:effectRef>
+          <a:fontRef idx="minor">
+            <a:schemeClr val="lt1"/>
+          </a:fontRef>
+        </p:style>
+      </p:sp>
+      <p:sp>
+        <p:nvSpPr>
+          <p:cNvPr id="2" name="Title 1">
+            <a:extLst>
+              <a:ext uri="{FF2B5EF4-FFF2-40B4-BE49-F238E27FC236}">
+                <a16:creationId xmlns:a16="http://schemas.microsoft.com/office/drawing/2014/main" id="{C7F7DD3B-5C70-43AB-BA1D-A3BE6745138E}"/>
+              </a:ext>
+            </a:extLst>
+          </p:cNvPr>
+          <p:cNvSpPr>
+            <a:spLocks noGrp="1"/>
+          </p:cNvSpPr>
+          <p:nvPr>
+            <p:ph type="title"/>
+          </p:nvPr>
+        </p:nvSpPr>
+        <p:spPr>
+          <a:xfrm>
+            <a:off x="838200" y="1760505"/>
+            <a:ext cx="10515600" cy="935025"/>
+          </a:xfrm>
+        </p:spPr>
+        <p:txBody>
+          <a:bodyPr>
+            <a:normAutofit/>
+          </a:bodyPr>
+          <a:lstStyle/>
+          <a:p>
+            <a:pPr algn="ctr"/>
+            <a:r>
+              <a:rPr lang="en-US" sz="3200">
+                <a:solidFill>
+                  <a:schemeClr val="tx2"/>
+                </a:solidFill>
+              </a:rPr>
+              <a:t>Discussion and Findings</a:t>
+            </a:r>
+          </a:p>
+        </p:txBody>
+      </p:sp>
+      <p:sp>
+        <p:nvSpPr>
+          <p:cNvPr id="3" name="Content Placeholder 2">
+            <a:extLst>
+              <a:ext uri="{FF2B5EF4-FFF2-40B4-BE49-F238E27FC236}">
+                <a16:creationId xmlns:a16="http://schemas.microsoft.com/office/drawing/2014/main" id="{E1D6396F-58BB-4B0A-8749-F5B1F89E5061}"/>
+              </a:ext>
+            </a:extLst>
+          </p:cNvPr>
+          <p:cNvSpPr>
+            <a:spLocks noGrp="1"/>
+          </p:cNvSpPr>
+          <p:nvPr>
+            <p:ph idx="1"/>
+          </p:nvPr>
+        </p:nvSpPr>
+        <p:spPr>
+          <a:xfrm>
+            <a:off x="2384952" y="3012928"/>
+            <a:ext cx="7422096" cy="2109445"/>
+          </a:xfrm>
+        </p:spPr>
+        <p:txBody>
+          <a:bodyPr>
+            <a:normAutofit/>
+          </a:bodyPr>
+          <a:lstStyle/>
+          <a:p>
+            <a:endParaRPr lang="en-US" sz="1800">
+              <a:solidFill>
+                <a:schemeClr val="tx2"/>
+              </a:solidFill>
+            </a:endParaRPr>
+          </a:p>
+        </p:txBody>
+      </p:sp>
+    </p:spTree>
+    <p:extLst>
+      <p:ext uri="{BB962C8B-B14F-4D97-AF65-F5344CB8AC3E}">
+        <p14:creationId xmlns:p14="http://schemas.microsoft.com/office/powerpoint/2010/main" val="1024356089"/>
+      </p:ext>
+    </p:extLst>
+  </p:cSld>
+  <p:clrMapOvr>
+    <a:overrideClrMapping bg1="dk1" tx1="lt1" bg2="dk2" tx2="lt2" accent1="accent1" accent2="accent2" accent3="accent3" accent4="accent4" accent5="accent5" accent6="accent6" hlink="hlink" folHlink="folHlink"/>
+  </p:clrMapOvr>
+</p:sld>
+</file>
+
+<file path=ppt/slides/slide2.xml><?xml version="1.0" encoding="utf-8"?>
+<p:sld xmlns:a="http://schemas.openxmlformats.org/drawingml/2006/main" xmlns:r="http://schemas.openxmlformats.org/officeDocument/2006/relationships" xmlns:p="http://schemas.openxmlformats.org/presentationml/2006/main">
+  <p:cSld>
+    <p:bg>
+      <p:bgPr>
+        <a:solidFill>
+          <a:schemeClr val="bg1"/>
+        </a:solidFill>
+        <a:effectLst/>
+      </p:bgPr>
+    </p:bg>
+    <p:spTree>
+      <p:nvGrpSpPr>
+        <p:cNvPr id="1" name=""/>
+        <p:cNvGrpSpPr/>
+        <p:nvPr/>
+      </p:nvGrpSpPr>
+      <p:grpSpPr>
+        <a:xfrm>
+          <a:off x="0" y="0"/>
+          <a:ext cx="0" cy="0"/>
+          <a:chOff x="0" y="0"/>
+          <a:chExt cx="0" cy="0"/>
+        </a:xfrm>
+      </p:grpSpPr>
+      <p:sp>
+        <p:nvSpPr>
+          <p:cNvPr id="11" name="Rectangle 10">
+            <a:extLst>
+              <a:ext uri="{FF2B5EF4-FFF2-40B4-BE49-F238E27FC236}">
+                <a16:creationId xmlns:a16="http://schemas.microsoft.com/office/drawing/2014/main" id="{8CA06CD6-90CA-4C45-856C-6771339E1E22}"/>
+              </a:ext>
+              <a:ext uri="{C183D7F6-B498-43B3-948B-1728B52AA6E4}">
+                <adec:decorative xmlns:adec="http://schemas.microsoft.com/office/drawing/2017/decorative" val="1"/>
+              </a:ext>
+            </a:extLst>
+          </p:cNvPr>
+          <p:cNvSpPr>
+            <a:spLocks noGrp="1" noRot="1" noChangeAspect="1" noMove="1" noResize="1" noEditPoints="1" noAdjustHandles="1" noChangeArrowheads="1" noChangeShapeType="1" noTextEdit="1"/>
+          </p:cNvSpPr>
+          <p:nvPr>
+            <p:extLst>
+              <p:ext uri="{386F3935-93C4-4BCD-93E2-E3B085C9AB24}">
+                <p16:designElem xmlns:p16="http://schemas.microsoft.com/office/powerpoint/2015/main" val="1"/>
+              </p:ext>
+            </p:extLst>
+          </p:nvPr>
+        </p:nvSpPr>
+        <p:spPr bwMode="ltGray">
+          <a:xfrm>
+            <a:off x="321564" y="320040"/>
+            <a:ext cx="11548872" cy="6217920"/>
+          </a:xfrm>
+          <a:prstGeom prst="rect">
+            <a:avLst/>
+          </a:prstGeom>
+          <a:solidFill>
+            <a:schemeClr val="tx1">
+              <a:alpha val="10000"/>
+            </a:schemeClr>
+          </a:solidFill>
+          <a:ln w="127000" cap="sq" cmpd="thinThick">
+            <a:noFill/>
+          </a:ln>
+        </p:spPr>
+        <p:style>
+          <a:lnRef idx="2">
+            <a:schemeClr val="accent1">
+              <a:shade val="50000"/>
+            </a:schemeClr>
+          </a:lnRef>
+          <a:fillRef idx="1">
+            <a:schemeClr val="accent1"/>
+          </a:fillRef>
+          <a:effectRef idx="0">
+            <a:schemeClr val="accent1"/>
+          </a:effectRef>
+          <a:fontRef idx="minor">
+            <a:schemeClr val="lt1"/>
+          </a:fontRef>
+        </p:style>
+        <p:txBody>
+          <a:bodyPr rtlCol="0" anchor="ctr"/>
+          <a:lstStyle/>
+          <a:p>
+            <a:pPr algn="ctr"/>
+            <a:endParaRPr lang="en-US"/>
+          </a:p>
+        </p:txBody>
+      </p:sp>
+      <p:sp>
+        <p:nvSpPr>
+          <p:cNvPr id="2" name="Title 1">
+            <a:extLst>
+              <a:ext uri="{FF2B5EF4-FFF2-40B4-BE49-F238E27FC236}">
                 <a16:creationId xmlns:a16="http://schemas.microsoft.com/office/drawing/2014/main" id="{AEFA82BA-7A97-4CE0-A424-33A892E043FC}"/>
               </a:ext>
             </a:extLst>
@@ -3429,40 +4195,149 @@
             <p:ph type="title"/>
           </p:nvPr>
         </p:nvSpPr>
-        <p:spPr/>
-        <p:txBody>
-          <a:bodyPr/>
-          <a:lstStyle/>
-          <a:p>
-            <a:r>
-              <a:rPr lang="en-US" dirty="0"/>
-              <a:t>Homeownership Rate Heat Map by County</a:t>
-            </a:r>
-          </a:p>
-        </p:txBody>
-      </p:sp>
-      <p:sp>
-        <p:nvSpPr>
-          <p:cNvPr id="3" name="Content Placeholder 2">
-            <a:extLst>
-              <a:ext uri="{FF2B5EF4-FFF2-40B4-BE49-F238E27FC236}">
-                <a16:creationId xmlns:a16="http://schemas.microsoft.com/office/drawing/2014/main" id="{07DE805E-9E89-41F3-82C0-107D85CC0155}"/>
-              </a:ext>
-            </a:extLst>
-          </p:cNvPr>
-          <p:cNvSpPr>
-            <a:spLocks noGrp="1"/>
-          </p:cNvSpPr>
-          <p:nvPr>
-            <p:ph idx="1"/>
-          </p:nvPr>
-        </p:nvSpPr>
-        <p:spPr/>
-        <p:txBody>
-          <a:bodyPr/>
-          <a:lstStyle/>
-          <a:p>
-            <a:endParaRPr lang="en-US"/>
+        <p:spPr>
+          <a:xfrm>
+            <a:off x="838200" y="963507"/>
+            <a:ext cx="3494362" cy="4930986"/>
+          </a:xfrm>
+        </p:spPr>
+        <p:txBody>
+          <a:bodyPr>
+            <a:normAutofit/>
+          </a:bodyPr>
+          <a:lstStyle/>
+          <a:p>
+            <a:pPr algn="r"/>
+            <a:r>
+              <a:rPr lang="en-US">
+                <a:solidFill>
+                  <a:schemeClr val="accent1"/>
+                </a:solidFill>
+              </a:rPr>
+              <a:t>Motivation and Summary</a:t>
+            </a:r>
+          </a:p>
+        </p:txBody>
+      </p:sp>
+      <p:cxnSp>
+        <p:nvCxnSpPr>
+          <p:cNvPr id="13" name="Straight Connector 12">
+            <a:extLst>
+              <a:ext uri="{FF2B5EF4-FFF2-40B4-BE49-F238E27FC236}">
+                <a16:creationId xmlns:a16="http://schemas.microsoft.com/office/drawing/2014/main" id="{5021601D-2758-4B15-A31C-FDA184C51B3A}"/>
+              </a:ext>
+              <a:ext uri="{C183D7F6-B498-43B3-948B-1728B52AA6E4}">
+                <adec:decorative xmlns:adec="http://schemas.microsoft.com/office/drawing/2017/decorative" val="1"/>
+              </a:ext>
+            </a:extLst>
+          </p:cNvPr>
+          <p:cNvCxnSpPr>
+            <a:cxnSpLocks noGrp="1" noRot="1" noChangeAspect="1" noMove="1" noResize="1" noEditPoints="1" noAdjustHandles="1" noChangeArrowheads="1" noChangeShapeType="1"/>
+          </p:cNvCxnSpPr>
+          <p:nvPr>
+            <p:extLst>
+              <p:ext uri="{386F3935-93C4-4BCD-93E2-E3B085C9AB24}">
+                <p16:designElem xmlns:p16="http://schemas.microsoft.com/office/powerpoint/2015/main" val="1"/>
+              </p:ext>
+            </p:extLst>
+          </p:nvPr>
+        </p:nvCxnSpPr>
+        <p:spPr>
+          <a:xfrm>
+            <a:off x="4654296" y="2057400"/>
+            <a:ext cx="0" cy="2743200"/>
+          </a:xfrm>
+          <a:prstGeom prst="line">
+            <a:avLst/>
+          </a:prstGeom>
+          <a:ln w="19050">
+            <a:solidFill>
+              <a:schemeClr val="tx1">
+                <a:lumMod val="85000"/>
+                <a:lumOff val="15000"/>
+              </a:schemeClr>
+            </a:solidFill>
+          </a:ln>
+        </p:spPr>
+        <p:style>
+          <a:lnRef idx="1">
+            <a:schemeClr val="accent1"/>
+          </a:lnRef>
+          <a:fillRef idx="0">
+            <a:schemeClr val="accent1"/>
+          </a:fillRef>
+          <a:effectRef idx="0">
+            <a:schemeClr val="accent1"/>
+          </a:effectRef>
+          <a:fontRef idx="minor">
+            <a:schemeClr val="tx1"/>
+          </a:fontRef>
+        </p:style>
+      </p:cxnSp>
+      <p:sp>
+        <p:nvSpPr>
+          <p:cNvPr id="4" name="Content Placeholder 3">
+            <a:extLst>
+              <a:ext uri="{FF2B5EF4-FFF2-40B4-BE49-F238E27FC236}">
+                <a16:creationId xmlns:a16="http://schemas.microsoft.com/office/drawing/2014/main" id="{D34EADB8-4C7C-45ED-A08B-89628628A212}"/>
+              </a:ext>
+            </a:extLst>
+          </p:cNvPr>
+          <p:cNvSpPr>
+            <a:spLocks noGrp="1"/>
+          </p:cNvSpPr>
+          <p:nvPr>
+            <p:ph sz="half" idx="1"/>
+          </p:nvPr>
+        </p:nvSpPr>
+        <p:spPr>
+          <a:xfrm>
+            <a:off x="4976030" y="963507"/>
+            <a:ext cx="6250940" cy="2304627"/>
+          </a:xfrm>
+        </p:spPr>
+        <p:txBody>
+          <a:bodyPr anchor="b">
+            <a:normAutofit/>
+          </a:bodyPr>
+          <a:lstStyle/>
+          <a:p>
+            <a:r>
+              <a:rPr lang="en-US" sz="2000"/>
+              <a:t>Heat Map of US based on Homeownership Rate</a:t>
+            </a:r>
+          </a:p>
+        </p:txBody>
+      </p:sp>
+      <p:sp>
+        <p:nvSpPr>
+          <p:cNvPr id="6" name="Content Placeholder 5">
+            <a:extLst>
+              <a:ext uri="{FF2B5EF4-FFF2-40B4-BE49-F238E27FC236}">
+                <a16:creationId xmlns:a16="http://schemas.microsoft.com/office/drawing/2014/main" id="{4F9C5CA7-C304-48DB-B9C4-88A8BEA64C68}"/>
+              </a:ext>
+            </a:extLst>
+          </p:cNvPr>
+          <p:cNvSpPr>
+            <a:spLocks noGrp="1"/>
+          </p:cNvSpPr>
+          <p:nvPr>
+            <p:ph sz="half" idx="2"/>
+          </p:nvPr>
+        </p:nvSpPr>
+        <p:spPr>
+          <a:xfrm>
+            <a:off x="4976030" y="3589866"/>
+            <a:ext cx="6250940" cy="2304628"/>
+          </a:xfrm>
+        </p:spPr>
+        <p:txBody>
+          <a:bodyPr>
+            <a:normAutofit/>
+          </a:bodyPr>
+          <a:lstStyle/>
+          <a:p>
+            <a:endParaRPr lang="en-US" sz="2000"/>
           </a:p>
         </p:txBody>
       </p:sp>
@@ -3482,6 +4357,14 @@
 <file path=ppt/slides/slide3.xml><?xml version="1.0" encoding="utf-8"?>
 <p:sld xmlns:a="http://schemas.openxmlformats.org/drawingml/2006/main" xmlns:r="http://schemas.openxmlformats.org/officeDocument/2006/relationships" xmlns:p="http://schemas.openxmlformats.org/presentationml/2006/main">
   <p:cSld>
+    <p:bg>
+      <p:bgPr>
+        <a:solidFill>
+          <a:schemeClr val="bg1"/>
+        </a:solidFill>
+        <a:effectLst/>
+      </p:bgPr>
+    </p:bg>
     <p:spTree>
       <p:nvGrpSpPr>
         <p:cNvPr id="1" name=""/>
@@ -3498,10 +4381,140 @@
       </p:grpSpPr>
       <p:sp>
         <p:nvSpPr>
+          <p:cNvPr id="13" name="Rectangle 8">
+            <a:extLst>
+              <a:ext uri="{FF2B5EF4-FFF2-40B4-BE49-F238E27FC236}">
+                <a16:creationId xmlns:a16="http://schemas.microsoft.com/office/drawing/2014/main" id="{4351DFE5-F63D-4BE0-BDA9-E3EB88F01AA5}"/>
+              </a:ext>
+              <a:ext uri="{C183D7F6-B498-43B3-948B-1728B52AA6E4}">
+                <adec:decorative xmlns:adec="http://schemas.microsoft.com/office/drawing/2017/decorative" val="1"/>
+              </a:ext>
+            </a:extLst>
+          </p:cNvPr>
+          <p:cNvSpPr>
+            <a:spLocks noGrp="1" noRot="1" noChangeAspect="1" noMove="1" noResize="1" noEditPoints="1" noAdjustHandles="1" noChangeArrowheads="1" noChangeShapeType="1" noTextEdit="1"/>
+          </p:cNvSpPr>
+          <p:nvPr>
+            <p:extLst>
+              <p:ext uri="{386F3935-93C4-4BCD-93E2-E3B085C9AB24}">
+                <p16:designElem xmlns:p16="http://schemas.microsoft.com/office/powerpoint/2015/main" val="1"/>
+              </p:ext>
+            </p:extLst>
+          </p:nvPr>
+        </p:nvSpPr>
+        <p:spPr>
+          <a:xfrm>
+            <a:off x="355601" y="0"/>
+            <a:ext cx="11480494" cy="2753936"/>
+          </a:xfrm>
+          <a:prstGeom prst="rect">
+            <a:avLst/>
+          </a:prstGeom>
+          <a:gradFill>
+            <a:gsLst>
+              <a:gs pos="0">
+                <a:schemeClr val="accent1">
+                  <a:lumMod val="90000"/>
+                </a:schemeClr>
+              </a:gs>
+              <a:gs pos="25000">
+                <a:schemeClr val="accent1">
+                  <a:lumMod val="90000"/>
+                </a:schemeClr>
+              </a:gs>
+              <a:gs pos="94000">
+                <a:schemeClr val="bg2">
+                  <a:lumMod val="25000"/>
+                </a:schemeClr>
+              </a:gs>
+              <a:gs pos="100000">
+                <a:schemeClr val="bg2">
+                  <a:lumMod val="25000"/>
+                </a:schemeClr>
+              </a:gs>
+            </a:gsLst>
+            <a:lin ang="4200000" scaled="0"/>
+          </a:gradFill>
+          <a:ln>
+            <a:noFill/>
+          </a:ln>
+        </p:spPr>
+        <p:style>
+          <a:lnRef idx="2">
+            <a:schemeClr val="accent1">
+              <a:shade val="50000"/>
+            </a:schemeClr>
+          </a:lnRef>
+          <a:fillRef idx="1">
+            <a:schemeClr val="accent1"/>
+          </a:fillRef>
+          <a:effectRef idx="0">
+            <a:schemeClr val="accent1"/>
+          </a:effectRef>
+          <a:fontRef idx="minor">
+            <a:schemeClr val="lt1"/>
+          </a:fontRef>
+        </p:style>
+        <p:txBody>
+          <a:bodyPr rtlCol="0" anchor="ctr"/>
+          <a:lstStyle/>
+          <a:p>
+            <a:pPr algn="ctr"/>
+            <a:endParaRPr lang="en-US"/>
+          </a:p>
+        </p:txBody>
+      </p:sp>
+      <p:pic>
+        <p:nvPicPr>
+          <p:cNvPr id="14" name="Picture 10">
+            <a:extLst>
+              <a:ext uri="{FF2B5EF4-FFF2-40B4-BE49-F238E27FC236}">
+                <a16:creationId xmlns:a16="http://schemas.microsoft.com/office/drawing/2014/main" id="{3AA16612-ACD2-4A16-8F2B-4514FD6BF28F}"/>
+              </a:ext>
+              <a:ext uri="{C183D7F6-B498-43B3-948B-1728B52AA6E4}">
+                <adec:decorative xmlns:adec="http://schemas.microsoft.com/office/drawing/2017/decorative" val="1"/>
+              </a:ext>
+            </a:extLst>
+          </p:cNvPr>
+          <p:cNvPicPr>
+            <a:picLocks noGrp="1" noRot="1" noChangeAspect="1" noMove="1" noResize="1" noEditPoints="1" noAdjustHandles="1" noChangeArrowheads="1" noChangeShapeType="1" noCrop="1"/>
+          </p:cNvPicPr>
+          <p:nvPr>
+            <p:extLst>
+              <p:ext uri="{386F3935-93C4-4BCD-93E2-E3B085C9AB24}">
+                <p16:designElem xmlns:p16="http://schemas.microsoft.com/office/powerpoint/2015/main" val="1"/>
+              </p:ext>
+            </p:extLst>
+          </p:nvPr>
+        </p:nvPicPr>
+        <p:blipFill>
+          <a:blip r:embed="rId2">
+            <a:extLst>
+              <a:ext uri="{28A0092B-C50C-407E-A947-70E740481C1C}">
+                <a14:useLocalDpi xmlns:a14="http://schemas.microsoft.com/office/drawing/2010/main" val="0"/>
+              </a:ext>
+            </a:extLst>
+          </a:blip>
+          <a:stretch>
+            <a:fillRect/>
+          </a:stretch>
+        </p:blipFill>
+        <p:spPr>
+          <a:xfrm>
+            <a:off x="0" y="0"/>
+            <a:ext cx="12192000" cy="6858000"/>
+          </a:xfrm>
+          <a:prstGeom prst="rect">
+            <a:avLst/>
+          </a:prstGeom>
+        </p:spPr>
+      </p:pic>
+      <p:sp>
+        <p:nvSpPr>
           <p:cNvPr id="2" name="Title 1">
             <a:extLst>
               <a:ext uri="{FF2B5EF4-FFF2-40B4-BE49-F238E27FC236}">
-                <a16:creationId xmlns:a16="http://schemas.microsoft.com/office/drawing/2014/main" id="{B00042B2-A657-4130-8F76-685DC29E9A53}"/>
+                <a16:creationId xmlns:a16="http://schemas.microsoft.com/office/drawing/2014/main" id="{FFFAC85B-3E74-4A39-855D-05A69802CBB6}"/>
               </a:ext>
             </a:extLst>
           </p:cNvPr>
@@ -3512,72 +4525,77 @@
             <p:ph type="title"/>
           </p:nvPr>
         </p:nvSpPr>
-        <p:spPr/>
-        <p:txBody>
-          <a:bodyPr/>
-          <a:lstStyle/>
-          <a:p>
-            <a:r>
-              <a:rPr lang="en-US" dirty="0"/>
-              <a:t>Affects of Post-Secondary Schools (total) in County on HOR</a:t>
-            </a:r>
-          </a:p>
-        </p:txBody>
-      </p:sp>
-      <p:sp>
-        <p:nvSpPr>
-          <p:cNvPr id="3" name="Content Placeholder 2">
-            <a:extLst>
-              <a:ext uri="{FF2B5EF4-FFF2-40B4-BE49-F238E27FC236}">
-                <a16:creationId xmlns:a16="http://schemas.microsoft.com/office/drawing/2014/main" id="{BD82F299-EF61-49BC-8A0F-33844A8C695E}"/>
-              </a:ext>
-            </a:extLst>
-          </p:cNvPr>
-          <p:cNvSpPr>
-            <a:spLocks noGrp="1"/>
-          </p:cNvSpPr>
-          <p:nvPr>
-            <p:ph sz="half" idx="1"/>
-          </p:nvPr>
-        </p:nvSpPr>
-        <p:spPr/>
-        <p:txBody>
-          <a:bodyPr/>
-          <a:lstStyle/>
-          <a:p>
-            <a:endParaRPr lang="en-US"/>
-          </a:p>
-        </p:txBody>
-      </p:sp>
-      <p:sp>
-        <p:nvSpPr>
-          <p:cNvPr id="4" name="Content Placeholder 3">
-            <a:extLst>
-              <a:ext uri="{FF2B5EF4-FFF2-40B4-BE49-F238E27FC236}">
-                <a16:creationId xmlns:a16="http://schemas.microsoft.com/office/drawing/2014/main" id="{CAAB463E-C8F8-423E-A751-B06B45E85AF1}"/>
-              </a:ext>
-            </a:extLst>
-          </p:cNvPr>
-          <p:cNvSpPr>
-            <a:spLocks noGrp="1"/>
-          </p:cNvSpPr>
-          <p:nvPr>
-            <p:ph sz="half" idx="2"/>
-          </p:nvPr>
-        </p:nvSpPr>
-        <p:spPr/>
-        <p:txBody>
-          <a:bodyPr/>
-          <a:lstStyle/>
-          <a:p>
-            <a:endParaRPr lang="en-US"/>
+        <p:spPr>
+          <a:xfrm>
+            <a:off x="1179226" y="826680"/>
+            <a:ext cx="9833548" cy="1325563"/>
+          </a:xfrm>
+        </p:spPr>
+        <p:txBody>
+          <a:bodyPr vert="horz" lIns="91440" tIns="45720" rIns="91440" bIns="45720" rtlCol="0" anchor="ctr">
+            <a:normAutofit/>
+          </a:bodyPr>
+          <a:lstStyle/>
+          <a:p>
+            <a:pPr algn="ctr"/>
+            <a:r>
+              <a:rPr lang="en-US" sz="4000" kern="1200">
+                <a:solidFill>
+                  <a:srgbClr val="FFFFFF"/>
+                </a:solidFill>
+                <a:latin typeface="+mj-lt"/>
+                <a:ea typeface="+mj-ea"/>
+                <a:cs typeface="+mj-cs"/>
+              </a:rPr>
+              <a:t>Questions &amp; Data</a:t>
+            </a:r>
+          </a:p>
+        </p:txBody>
+      </p:sp>
+      <p:sp>
+        <p:nvSpPr>
+          <p:cNvPr id="4" name="Text Placeholder 3">
+            <a:extLst>
+              <a:ext uri="{FF2B5EF4-FFF2-40B4-BE49-F238E27FC236}">
+                <a16:creationId xmlns:a16="http://schemas.microsoft.com/office/drawing/2014/main" id="{02A36FA9-B5B1-4E85-9305-F32A2E0E1326}"/>
+              </a:ext>
+            </a:extLst>
+          </p:cNvPr>
+          <p:cNvSpPr>
+            <a:spLocks noGrp="1"/>
+          </p:cNvSpPr>
+          <p:nvPr>
+            <p:ph type="body" sz="half" idx="2"/>
+          </p:nvPr>
+        </p:nvSpPr>
+        <p:spPr>
+          <a:xfrm>
+            <a:off x="1179226" y="3092970"/>
+            <a:ext cx="9833548" cy="2693976"/>
+          </a:xfrm>
+        </p:spPr>
+        <p:txBody>
+          <a:bodyPr vert="horz" lIns="91440" tIns="45720" rIns="91440" bIns="45720" rtlCol="0">
+            <a:normAutofit/>
+          </a:bodyPr>
+          <a:lstStyle/>
+          <a:p>
+            <a:pPr indent="-228600">
+              <a:buFont typeface="Arial" panose="020B0604020202020204" pitchFamily="34" charset="0"/>
+              <a:buChar char="•"/>
+            </a:pPr>
+            <a:endParaRPr lang="en-US" sz="2000">
+              <a:solidFill>
+                <a:srgbClr val="000000"/>
+              </a:solidFill>
+            </a:endParaRPr>
           </a:p>
         </p:txBody>
       </p:sp>
     </p:spTree>
     <p:extLst>
       <p:ext uri="{BB962C8B-B14F-4D97-AF65-F5344CB8AC3E}">
-        <p14:creationId xmlns:p14="http://schemas.microsoft.com/office/powerpoint/2010/main" val="2148438560"/>
+        <p14:creationId xmlns:p14="http://schemas.microsoft.com/office/powerpoint/2010/main" val="3340233525"/>
       </p:ext>
     </p:extLst>
   </p:cSld>
@@ -3590,6 +4608,14 @@
 <file path=ppt/slides/slide4.xml><?xml version="1.0" encoding="utf-8"?>
 <p:sld xmlns:a="http://schemas.openxmlformats.org/drawingml/2006/main" xmlns:r="http://schemas.openxmlformats.org/officeDocument/2006/relationships" xmlns:p="http://schemas.openxmlformats.org/presentationml/2006/main">
   <p:cSld>
+    <p:bg>
+      <p:bgPr>
+        <a:solidFill>
+          <a:schemeClr val="bg1"/>
+        </a:solidFill>
+        <a:effectLst/>
+      </p:bgPr>
+    </p:bg>
     <p:spTree>
       <p:nvGrpSpPr>
         <p:cNvPr id="1" name=""/>
@@ -3604,12 +4630,106 @@
           <a:chExt cx="0" cy="0"/>
         </a:xfrm>
       </p:grpSpPr>
+      <p:pic>
+        <p:nvPicPr>
+          <p:cNvPr id="5" name="Picture 4">
+            <a:extLst>
+              <a:ext uri="{FF2B5EF4-FFF2-40B4-BE49-F238E27FC236}">
+                <a16:creationId xmlns:a16="http://schemas.microsoft.com/office/drawing/2014/main" id="{ACC10D66-D569-4BF3-977D-07D056902543}"/>
+              </a:ext>
+            </a:extLst>
+          </p:cNvPr>
+          <p:cNvPicPr>
+            <a:picLocks noChangeAspect="1"/>
+          </p:cNvPicPr>
+          <p:nvPr/>
+        </p:nvPicPr>
+        <p:blipFill rotWithShape="1">
+          <a:blip r:embed="rId2"/>
+          <a:srcRect t="1415" b="14315"/>
+          <a:stretch/>
+        </p:blipFill>
+        <p:spPr>
+          <a:xfrm>
+            <a:off x="20" y="10"/>
+            <a:ext cx="12191980" cy="6857990"/>
+          </a:xfrm>
+          <a:prstGeom prst="rect">
+            <a:avLst/>
+          </a:prstGeom>
+        </p:spPr>
+      </p:pic>
+      <p:sp>
+        <p:nvSpPr>
+          <p:cNvPr id="18" name="Rectangle 17">
+            <a:extLst>
+              <a:ext uri="{FF2B5EF4-FFF2-40B4-BE49-F238E27FC236}">
+                <a16:creationId xmlns:a16="http://schemas.microsoft.com/office/drawing/2014/main" id="{37C89E4B-3C9F-44B9-8B86-D9E3D112D8EC}"/>
+              </a:ext>
+              <a:ext uri="{C183D7F6-B498-43B3-948B-1728B52AA6E4}">
+                <adec:decorative xmlns:adec="http://schemas.microsoft.com/office/drawing/2017/decorative" val="1"/>
+              </a:ext>
+            </a:extLst>
+          </p:cNvPr>
+          <p:cNvSpPr>
+            <a:spLocks noGrp="1" noRot="1" noChangeAspect="1" noMove="1" noResize="1" noEditPoints="1" noAdjustHandles="1" noChangeArrowheads="1" noChangeShapeType="1" noTextEdit="1"/>
+          </p:cNvSpPr>
+          <p:nvPr>
+            <p:extLst>
+              <p:ext uri="{386F3935-93C4-4BCD-93E2-E3B085C9AB24}">
+                <p16:designElem xmlns:p16="http://schemas.microsoft.com/office/powerpoint/2015/main" val="1"/>
+              </p:ext>
+            </p:extLst>
+          </p:nvPr>
+        </p:nvSpPr>
+        <p:spPr>
+          <a:xfrm>
+            <a:off x="0" y="428852"/>
+            <a:ext cx="12192000" cy="736551"/>
+          </a:xfrm>
+          <a:prstGeom prst="rect">
+            <a:avLst/>
+          </a:prstGeom>
+          <a:solidFill>
+            <a:schemeClr val="bg1">
+              <a:alpha val="93000"/>
+            </a:schemeClr>
+          </a:solidFill>
+          <a:ln>
+            <a:noFill/>
+          </a:ln>
+        </p:spPr>
+        <p:style>
+          <a:lnRef idx="2">
+            <a:schemeClr val="accent1">
+              <a:shade val="50000"/>
+            </a:schemeClr>
+          </a:lnRef>
+          <a:fillRef idx="1">
+            <a:schemeClr val="accent1"/>
+          </a:fillRef>
+          <a:effectRef idx="0">
+            <a:schemeClr val="accent1"/>
+          </a:effectRef>
+          <a:fontRef idx="minor">
+            <a:schemeClr val="lt1"/>
+          </a:fontRef>
+        </p:style>
+        <p:txBody>
+          <a:bodyPr rtlCol="0" anchor="ctr"/>
+          <a:lstStyle/>
+          <a:p>
+            <a:pPr algn="ctr"/>
+            <a:endParaRPr lang="en-US"/>
+          </a:p>
+        </p:txBody>
+      </p:sp>
       <p:sp>
         <p:nvSpPr>
           <p:cNvPr id="2" name="Title 1">
             <a:extLst>
               <a:ext uri="{FF2B5EF4-FFF2-40B4-BE49-F238E27FC236}">
-                <a16:creationId xmlns:a16="http://schemas.microsoft.com/office/drawing/2014/main" id="{3E683DCC-A398-4BE9-86F7-0C848FF91F05}"/>
+                <a16:creationId xmlns:a16="http://schemas.microsoft.com/office/drawing/2014/main" id="{F00A57B5-0037-4404-90D9-767A203453AC}"/>
               </a:ext>
             </a:extLst>
           </p:cNvPr>
@@ -3620,72 +4740,145 @@
             <p:ph type="title"/>
           </p:nvPr>
         </p:nvSpPr>
-        <p:spPr/>
-        <p:txBody>
-          <a:bodyPr/>
-          <a:lstStyle/>
-          <a:p>
-            <a:r>
-              <a:rPr lang="en-US" dirty="0"/>
-              <a:t>Affects of Crime Rates (per 100,000) on HOR</a:t>
-            </a:r>
-          </a:p>
-        </p:txBody>
-      </p:sp>
-      <p:sp>
-        <p:nvSpPr>
-          <p:cNvPr id="3" name="Content Placeholder 2">
-            <a:extLst>
-              <a:ext uri="{FF2B5EF4-FFF2-40B4-BE49-F238E27FC236}">
-                <a16:creationId xmlns:a16="http://schemas.microsoft.com/office/drawing/2014/main" id="{15BC1EEC-92DE-4B1B-ADE8-DB9BBA759AAA}"/>
-              </a:ext>
-            </a:extLst>
-          </p:cNvPr>
-          <p:cNvSpPr>
-            <a:spLocks noGrp="1"/>
-          </p:cNvSpPr>
-          <p:nvPr>
-            <p:ph sz="half" idx="1"/>
-          </p:nvPr>
-        </p:nvSpPr>
-        <p:spPr/>
-        <p:txBody>
-          <a:bodyPr/>
-          <a:lstStyle/>
-          <a:p>
-            <a:endParaRPr lang="en-US"/>
-          </a:p>
-        </p:txBody>
-      </p:sp>
-      <p:sp>
-        <p:nvSpPr>
-          <p:cNvPr id="4" name="Content Placeholder 3">
-            <a:extLst>
-              <a:ext uri="{FF2B5EF4-FFF2-40B4-BE49-F238E27FC236}">
-                <a16:creationId xmlns:a16="http://schemas.microsoft.com/office/drawing/2014/main" id="{4D23D564-6A02-4C51-85F4-CEE49A69A060}"/>
-              </a:ext>
-            </a:extLst>
-          </p:cNvPr>
-          <p:cNvSpPr>
-            <a:spLocks noGrp="1"/>
-          </p:cNvSpPr>
-          <p:nvPr>
-            <p:ph sz="half" idx="2"/>
-          </p:nvPr>
-        </p:nvSpPr>
-        <p:spPr/>
-        <p:txBody>
-          <a:bodyPr/>
-          <a:lstStyle/>
-          <a:p>
-            <a:endParaRPr lang="en-US"/>
-          </a:p>
-        </p:txBody>
-      </p:sp>
+        <p:spPr>
+          <a:xfrm>
+            <a:off x="523875" y="425950"/>
+            <a:ext cx="11210925" cy="744836"/>
+          </a:xfrm>
+        </p:spPr>
+        <p:txBody>
+          <a:bodyPr vert="horz" lIns="91440" tIns="45720" rIns="91440" bIns="45720" rtlCol="0" anchor="ctr">
+            <a:normAutofit/>
+          </a:bodyPr>
+          <a:lstStyle/>
+          <a:p>
+            <a:pPr algn="ctr"/>
+            <a:r>
+              <a:rPr lang="en-US" sz="3600" dirty="0">
+                <a:solidFill>
+                  <a:schemeClr val="tx1">
+                    <a:lumMod val="85000"/>
+                    <a:lumOff val="15000"/>
+                  </a:schemeClr>
+                </a:solidFill>
+              </a:rPr>
+              <a:t>Data Cleanup &amp; Exploration</a:t>
+            </a:r>
+          </a:p>
+        </p:txBody>
+      </p:sp>
+      <p:cxnSp>
+        <p:nvCxnSpPr>
+          <p:cNvPr id="20" name="Straight Connector 19">
+            <a:extLst>
+              <a:ext uri="{FF2B5EF4-FFF2-40B4-BE49-F238E27FC236}">
+                <a16:creationId xmlns:a16="http://schemas.microsoft.com/office/drawing/2014/main" id="{AA2EAA10-076F-46BD-8F0F-B9A2FB77A85C}"/>
+              </a:ext>
+              <a:ext uri="{C183D7F6-B498-43B3-948B-1728B52AA6E4}">
+                <adec:decorative xmlns:adec="http://schemas.microsoft.com/office/drawing/2017/decorative" val="1"/>
+              </a:ext>
+            </a:extLst>
+          </p:cNvPr>
+          <p:cNvCxnSpPr>
+            <a:cxnSpLocks noGrp="1" noRot="1" noChangeAspect="1" noMove="1" noResize="1" noEditPoints="1" noAdjustHandles="1" noChangeArrowheads="1" noChangeShapeType="1"/>
+          </p:cNvCxnSpPr>
+          <p:nvPr>
+            <p:extLst>
+              <p:ext uri="{386F3935-93C4-4BCD-93E2-E3B085C9AB24}">
+                <p16:designElem xmlns:p16="http://schemas.microsoft.com/office/powerpoint/2015/main" val="1"/>
+              </p:ext>
+            </p:extLst>
+          </p:nvPr>
+        </p:nvCxnSpPr>
+        <p:spPr>
+          <a:xfrm>
+            <a:off x="0" y="350693"/>
+            <a:ext cx="12192000" cy="0"/>
+          </a:xfrm>
+          <a:prstGeom prst="line">
+            <a:avLst/>
+          </a:prstGeom>
+          <a:ln w="41275">
+            <a:solidFill>
+              <a:schemeClr val="bg1">
+                <a:alpha val="90000"/>
+              </a:schemeClr>
+            </a:solidFill>
+          </a:ln>
+        </p:spPr>
+        <p:style>
+          <a:lnRef idx="1">
+            <a:schemeClr val="accent1"/>
+          </a:lnRef>
+          <a:fillRef idx="0">
+            <a:schemeClr val="accent1"/>
+          </a:fillRef>
+          <a:effectRef idx="0">
+            <a:schemeClr val="accent1"/>
+          </a:effectRef>
+          <a:fontRef idx="minor">
+            <a:schemeClr val="tx1"/>
+          </a:fontRef>
+        </p:style>
+      </p:cxnSp>
+      <p:cxnSp>
+        <p:nvCxnSpPr>
+          <p:cNvPr id="22" name="Straight Connector 21">
+            <a:extLst>
+              <a:ext uri="{FF2B5EF4-FFF2-40B4-BE49-F238E27FC236}">
+                <a16:creationId xmlns:a16="http://schemas.microsoft.com/office/drawing/2014/main" id="{D891E407-403B-4764-86C9-33A56D3BCAA3}"/>
+              </a:ext>
+              <a:ext uri="{C183D7F6-B498-43B3-948B-1728B52AA6E4}">
+                <adec:decorative xmlns:adec="http://schemas.microsoft.com/office/drawing/2017/decorative" val="1"/>
+              </a:ext>
+            </a:extLst>
+          </p:cNvPr>
+          <p:cNvCxnSpPr>
+            <a:cxnSpLocks noGrp="1" noRot="1" noChangeAspect="1" noMove="1" noResize="1" noEditPoints="1" noAdjustHandles="1" noChangeArrowheads="1" noChangeShapeType="1"/>
+          </p:cNvCxnSpPr>
+          <p:nvPr>
+            <p:extLst>
+              <p:ext uri="{386F3935-93C4-4BCD-93E2-E3B085C9AB24}">
+                <p16:designElem xmlns:p16="http://schemas.microsoft.com/office/powerpoint/2015/main" val="1"/>
+              </p:ext>
+            </p:extLst>
+          </p:nvPr>
+        </p:nvCxnSpPr>
+        <p:spPr>
+          <a:xfrm>
+            <a:off x="0" y="1243562"/>
+            <a:ext cx="12192000" cy="0"/>
+          </a:xfrm>
+          <a:prstGeom prst="line">
+            <a:avLst/>
+          </a:prstGeom>
+          <a:ln w="41275">
+            <a:solidFill>
+              <a:schemeClr val="bg1">
+                <a:alpha val="90000"/>
+              </a:schemeClr>
+            </a:solidFill>
+          </a:ln>
+        </p:spPr>
+        <p:style>
+          <a:lnRef idx="1">
+            <a:schemeClr val="accent1"/>
+          </a:lnRef>
+          <a:fillRef idx="0">
+            <a:schemeClr val="accent1"/>
+          </a:fillRef>
+          <a:effectRef idx="0">
+            <a:schemeClr val="accent1"/>
+          </a:effectRef>
+          <a:fontRef idx="minor">
+            <a:schemeClr val="tx1"/>
+          </a:fontRef>
+        </p:style>
+      </p:cxnSp>
     </p:spTree>
     <p:extLst>
       <p:ext uri="{BB962C8B-B14F-4D97-AF65-F5344CB8AC3E}">
-        <p14:creationId xmlns:p14="http://schemas.microsoft.com/office/powerpoint/2010/main" val="3972942229"/>
+        <p14:creationId xmlns:p14="http://schemas.microsoft.com/office/powerpoint/2010/main" val="3216461275"/>
       </p:ext>
     </p:extLst>
   </p:cSld>
@@ -3698,6 +4891,14 @@
 <file path=ppt/slides/slide5.xml><?xml version="1.0" encoding="utf-8"?>
 <p:sld xmlns:a="http://schemas.openxmlformats.org/drawingml/2006/main" xmlns:r="http://schemas.openxmlformats.org/officeDocument/2006/relationships" xmlns:p="http://schemas.openxmlformats.org/presentationml/2006/main">
   <p:cSld>
+    <p:bg>
+      <p:bgPr>
+        <a:solidFill>
+          <a:schemeClr val="tx1"/>
+        </a:solidFill>
+        <a:effectLst/>
+      </p:bgPr>
+    </p:bg>
     <p:spTree>
       <p:nvGrpSpPr>
         <p:cNvPr id="1" name=""/>
@@ -3714,141 +4915,273 @@
       </p:grpSpPr>
       <p:sp>
         <p:nvSpPr>
+          <p:cNvPr id="17" name="Rectangle 16">
+            <a:extLst>
+              <a:ext uri="{FF2B5EF4-FFF2-40B4-BE49-F238E27FC236}">
+                <a16:creationId xmlns:a16="http://schemas.microsoft.com/office/drawing/2014/main" id="{2A8AA5BC-4F7A-4226-8F99-6D824B226A97}"/>
+              </a:ext>
+              <a:ext uri="{C183D7F6-B498-43B3-948B-1728B52AA6E4}">
+                <adec:decorative xmlns:adec="http://schemas.microsoft.com/office/drawing/2017/decorative" val="1"/>
+              </a:ext>
+            </a:extLst>
+          </p:cNvPr>
+          <p:cNvSpPr>
+            <a:spLocks noGrp="1" noRot="1" noChangeAspect="1" noMove="1" noResize="1" noEditPoints="1" noAdjustHandles="1" noChangeArrowheads="1" noChangeShapeType="1" noTextEdit="1"/>
+          </p:cNvSpPr>
+          <p:nvPr>
+            <p:extLst>
+              <p:ext uri="{386F3935-93C4-4BCD-93E2-E3B085C9AB24}">
+                <p16:designElem xmlns:p16="http://schemas.microsoft.com/office/powerpoint/2015/main" val="1"/>
+              </p:ext>
+            </p:extLst>
+          </p:nvPr>
+        </p:nvSpPr>
+        <p:spPr>
+          <a:xfrm>
+            <a:off x="0" y="-3324"/>
+            <a:ext cx="12192000" cy="6861324"/>
+          </a:xfrm>
+          <a:prstGeom prst="rect">
+            <a:avLst/>
+          </a:prstGeom>
+          <a:solidFill>
+            <a:schemeClr val="tx1"/>
+          </a:solidFill>
+          <a:ln>
+            <a:noFill/>
+          </a:ln>
+        </p:spPr>
+        <p:style>
+          <a:lnRef idx="2">
+            <a:schemeClr val="accent1">
+              <a:shade val="50000"/>
+            </a:schemeClr>
+          </a:lnRef>
+          <a:fillRef idx="1">
+            <a:schemeClr val="accent1"/>
+          </a:fillRef>
+          <a:effectRef idx="0">
+            <a:schemeClr val="accent1"/>
+          </a:effectRef>
+          <a:fontRef idx="minor">
+            <a:schemeClr val="lt1"/>
+          </a:fontRef>
+        </p:style>
+        <p:txBody>
+          <a:bodyPr rtlCol="0" anchor="ctr"/>
+          <a:lstStyle/>
+          <a:p>
+            <a:pPr algn="ctr"/>
+            <a:endParaRPr lang="en-US"/>
+          </a:p>
+        </p:txBody>
+      </p:sp>
+      <p:sp>
+        <p:nvSpPr>
+          <p:cNvPr id="19" name="Rectangle 18">
+            <a:extLst>
+              <a:ext uri="{FF2B5EF4-FFF2-40B4-BE49-F238E27FC236}">
+                <a16:creationId xmlns:a16="http://schemas.microsoft.com/office/drawing/2014/main" id="{3E5445C6-DD42-4979-86FF-03730E8C6DB0}"/>
+              </a:ext>
+              <a:ext uri="{C183D7F6-B498-43B3-948B-1728B52AA6E4}">
+                <adec:decorative xmlns:adec="http://schemas.microsoft.com/office/drawing/2017/decorative" val="1"/>
+              </a:ext>
+            </a:extLst>
+          </p:cNvPr>
+          <p:cNvSpPr>
+            <a:spLocks noGrp="1" noRot="1" noChangeAspect="1" noMove="1" noResize="1" noEditPoints="1" noAdjustHandles="1" noChangeArrowheads="1" noChangeShapeType="1" noTextEdit="1"/>
+          </p:cNvSpPr>
+          <p:nvPr>
+            <p:extLst>
+              <p:ext uri="{386F3935-93C4-4BCD-93E2-E3B085C9AB24}">
+                <p16:designElem xmlns:p16="http://schemas.microsoft.com/office/powerpoint/2015/main" val="1"/>
+              </p:ext>
+            </p:extLst>
+          </p:nvPr>
+        </p:nvSpPr>
+        <p:spPr bwMode="ltGray">
+          <a:xfrm>
+            <a:off x="321734" y="321733"/>
+            <a:ext cx="11573488" cy="6214534"/>
+          </a:xfrm>
+          <a:prstGeom prst="rect">
+            <a:avLst/>
+          </a:prstGeom>
+          <a:solidFill>
+            <a:schemeClr val="bg1">
+              <a:lumMod val="75000"/>
+              <a:lumOff val="25000"/>
+            </a:schemeClr>
+          </a:solidFill>
+          <a:ln w="127000" cap="sq" cmpd="thinThick">
+            <a:solidFill>
+              <a:schemeClr val="bg1">
+                <a:lumMod val="75000"/>
+                <a:lumOff val="25000"/>
+              </a:schemeClr>
+            </a:solidFill>
+          </a:ln>
+        </p:spPr>
+        <p:style>
+          <a:lnRef idx="2">
+            <a:schemeClr val="accent1">
+              <a:shade val="50000"/>
+            </a:schemeClr>
+          </a:lnRef>
+          <a:fillRef idx="1">
+            <a:schemeClr val="accent1"/>
+          </a:fillRef>
+          <a:effectRef idx="0">
+            <a:schemeClr val="accent1"/>
+          </a:effectRef>
+          <a:fontRef idx="minor">
+            <a:schemeClr val="lt1"/>
+          </a:fontRef>
+        </p:style>
+        <p:txBody>
+          <a:bodyPr rtlCol="0" anchor="ctr"/>
+          <a:lstStyle/>
+          <a:p>
+            <a:pPr algn="ctr"/>
+            <a:endParaRPr lang="en-US"/>
+          </a:p>
+        </p:txBody>
+      </p:sp>
+      <p:sp>
+        <p:nvSpPr>
           <p:cNvPr id="2" name="Title 1">
             <a:extLst>
               <a:ext uri="{FF2B5EF4-FFF2-40B4-BE49-F238E27FC236}">
-                <a16:creationId xmlns:a16="http://schemas.microsoft.com/office/drawing/2014/main" id="{E1812024-91A2-41CE-A375-F23B1C34B017}"/>
-              </a:ext>
-            </a:extLst>
-          </p:cNvPr>
-          <p:cNvSpPr>
-            <a:spLocks noGrp="1"/>
-          </p:cNvSpPr>
-          <p:nvPr>
-            <p:ph type="title"/>
-          </p:nvPr>
-        </p:nvSpPr>
-        <p:spPr/>
-        <p:txBody>
-          <a:bodyPr/>
-          <a:lstStyle/>
-          <a:p>
-            <a:r>
-              <a:rPr lang="en-US" dirty="0"/>
-              <a:t>Affects of GDP (dollars) on HOR</a:t>
-            </a:r>
-          </a:p>
-        </p:txBody>
-      </p:sp>
-      <p:sp>
-        <p:nvSpPr>
-          <p:cNvPr id="3" name="Text Placeholder 2">
-            <a:extLst>
-              <a:ext uri="{FF2B5EF4-FFF2-40B4-BE49-F238E27FC236}">
-                <a16:creationId xmlns:a16="http://schemas.microsoft.com/office/drawing/2014/main" id="{38AE7491-752B-4841-8BBF-4E5EE45FD2B3}"/>
-              </a:ext>
-            </a:extLst>
-          </p:cNvPr>
-          <p:cNvSpPr>
-            <a:spLocks noGrp="1"/>
-          </p:cNvSpPr>
-          <p:nvPr>
-            <p:ph type="body" idx="1"/>
-          </p:nvPr>
-        </p:nvSpPr>
-        <p:spPr/>
-        <p:txBody>
-          <a:bodyPr/>
-          <a:lstStyle/>
-          <a:p>
-            <a:endParaRPr lang="en-US"/>
-          </a:p>
-        </p:txBody>
-      </p:sp>
-      <p:sp>
-        <p:nvSpPr>
-          <p:cNvPr id="4" name="Content Placeholder 3">
-            <a:extLst>
-              <a:ext uri="{FF2B5EF4-FFF2-40B4-BE49-F238E27FC236}">
-                <a16:creationId xmlns:a16="http://schemas.microsoft.com/office/drawing/2014/main" id="{8E315AD9-1813-42DC-BD8A-606395306393}"/>
-              </a:ext>
-            </a:extLst>
-          </p:cNvPr>
-          <p:cNvSpPr>
-            <a:spLocks noGrp="1"/>
-          </p:cNvSpPr>
-          <p:nvPr>
-            <p:ph sz="half" idx="2"/>
-          </p:nvPr>
-        </p:nvSpPr>
-        <p:spPr/>
-        <p:txBody>
-          <a:bodyPr/>
-          <a:lstStyle/>
-          <a:p>
-            <a:endParaRPr lang="en-US"/>
-          </a:p>
-        </p:txBody>
-      </p:sp>
-      <p:sp>
-        <p:nvSpPr>
-          <p:cNvPr id="5" name="Text Placeholder 4">
-            <a:extLst>
-              <a:ext uri="{FF2B5EF4-FFF2-40B4-BE49-F238E27FC236}">
-                <a16:creationId xmlns:a16="http://schemas.microsoft.com/office/drawing/2014/main" id="{B2643B5B-4585-4F7A-A3C0-29FE70B57A98}"/>
-              </a:ext>
-            </a:extLst>
-          </p:cNvPr>
-          <p:cNvSpPr>
-            <a:spLocks noGrp="1"/>
-          </p:cNvSpPr>
-          <p:nvPr>
-            <p:ph type="body" sz="quarter" idx="3"/>
-          </p:nvPr>
-        </p:nvSpPr>
-        <p:spPr/>
-        <p:txBody>
-          <a:bodyPr/>
-          <a:lstStyle/>
-          <a:p>
-            <a:endParaRPr lang="en-US"/>
-          </a:p>
-        </p:txBody>
-      </p:sp>
-      <p:sp>
-        <p:nvSpPr>
-          <p:cNvPr id="6" name="Content Placeholder 5">
-            <a:extLst>
-              <a:ext uri="{FF2B5EF4-FFF2-40B4-BE49-F238E27FC236}">
-                <a16:creationId xmlns:a16="http://schemas.microsoft.com/office/drawing/2014/main" id="{FBDCC086-5A42-4E10-9A52-D0A6B8A152A4}"/>
-              </a:ext>
-            </a:extLst>
-          </p:cNvPr>
-          <p:cNvSpPr>
-            <a:spLocks noGrp="1"/>
-          </p:cNvSpPr>
-          <p:nvPr>
-            <p:ph sz="quarter" idx="4"/>
-          </p:nvPr>
-        </p:nvSpPr>
-        <p:spPr/>
-        <p:txBody>
-          <a:bodyPr/>
-          <a:lstStyle/>
-          <a:p>
-            <a:endParaRPr lang="en-US"/>
-          </a:p>
-        </p:txBody>
-      </p:sp>
+                <a16:creationId xmlns:a16="http://schemas.microsoft.com/office/drawing/2014/main" id="{926B763D-9EFC-464F-B820-14C73EF78072}"/>
+              </a:ext>
+            </a:extLst>
+          </p:cNvPr>
+          <p:cNvSpPr>
+            <a:spLocks noGrp="1"/>
+          </p:cNvSpPr>
+          <p:nvPr>
+            <p:ph type="ctrTitle"/>
+          </p:nvPr>
+        </p:nvSpPr>
+        <p:spPr>
+          <a:xfrm>
+            <a:off x="1524000" y="1122362"/>
+            <a:ext cx="9144000" cy="2840037"/>
+          </a:xfrm>
+        </p:spPr>
+        <p:txBody>
+          <a:bodyPr>
+            <a:normAutofit/>
+          </a:bodyPr>
+          <a:lstStyle/>
+          <a:p>
+            <a:r>
+              <a:rPr lang="en-US" sz="5800"/>
+              <a:t>Data Analysis</a:t>
+            </a:r>
+            <a:endParaRPr lang="en-US" sz="5800" dirty="0"/>
+          </a:p>
+        </p:txBody>
+      </p:sp>
+      <p:sp>
+        <p:nvSpPr>
+          <p:cNvPr id="3" name="Subtitle 2">
+            <a:extLst>
+              <a:ext uri="{FF2B5EF4-FFF2-40B4-BE49-F238E27FC236}">
+                <a16:creationId xmlns:a16="http://schemas.microsoft.com/office/drawing/2014/main" id="{996B8049-8CE1-41B8-8123-3743A1D8FB81}"/>
+              </a:ext>
+            </a:extLst>
+          </p:cNvPr>
+          <p:cNvSpPr>
+            <a:spLocks noGrp="1"/>
+          </p:cNvSpPr>
+          <p:nvPr>
+            <p:ph type="subTitle" idx="1"/>
+          </p:nvPr>
+        </p:nvSpPr>
+        <p:spPr>
+          <a:xfrm>
+            <a:off x="1524000" y="4256436"/>
+            <a:ext cx="9144000" cy="1600818"/>
+          </a:xfrm>
+        </p:spPr>
+        <p:txBody>
+          <a:bodyPr>
+            <a:normAutofit/>
+          </a:bodyPr>
+          <a:lstStyle/>
+          <a:p>
+            <a:endParaRPr lang="en-US" dirty="0">
+              <a:solidFill>
+                <a:schemeClr val="accent1"/>
+              </a:solidFill>
+            </a:endParaRPr>
+          </a:p>
+        </p:txBody>
+      </p:sp>
+      <p:cxnSp>
+        <p:nvCxnSpPr>
+          <p:cNvPr id="24" name="Straight Connector 20">
+            <a:extLst>
+              <a:ext uri="{FF2B5EF4-FFF2-40B4-BE49-F238E27FC236}">
+                <a16:creationId xmlns:a16="http://schemas.microsoft.com/office/drawing/2014/main" id="{45000665-DFC7-417E-8FD7-516A0F15C975}"/>
+              </a:ext>
+              <a:ext uri="{C183D7F6-B498-43B3-948B-1728B52AA6E4}">
+                <adec:decorative xmlns:adec="http://schemas.microsoft.com/office/drawing/2017/decorative" val="1"/>
+              </a:ext>
+            </a:extLst>
+          </p:cNvPr>
+          <p:cNvCxnSpPr>
+            <a:cxnSpLocks noGrp="1" noRot="1" noChangeAspect="1" noMove="1" noResize="1" noEditPoints="1" noAdjustHandles="1" noChangeArrowheads="1" noChangeShapeType="1"/>
+          </p:cNvCxnSpPr>
+          <p:nvPr>
+            <p:extLst>
+              <p:ext uri="{386F3935-93C4-4BCD-93E2-E3B085C9AB24}">
+                <p16:designElem xmlns:p16="http://schemas.microsoft.com/office/powerpoint/2015/main" val="1"/>
+              </p:ext>
+            </p:extLst>
+          </p:nvPr>
+        </p:nvCxnSpPr>
+        <p:spPr>
+          <a:xfrm>
+            <a:off x="4724400" y="4109417"/>
+            <a:ext cx="2743200" cy="0"/>
+          </a:xfrm>
+          <a:prstGeom prst="line">
+            <a:avLst/>
+          </a:prstGeom>
+          <a:ln w="12700">
+            <a:solidFill>
+              <a:schemeClr val="tx1">
+                <a:lumMod val="85000"/>
+              </a:schemeClr>
+            </a:solidFill>
+          </a:ln>
+        </p:spPr>
+        <p:style>
+          <a:lnRef idx="1">
+            <a:schemeClr val="accent1"/>
+          </a:lnRef>
+          <a:fillRef idx="0">
+            <a:schemeClr val="accent1"/>
+          </a:fillRef>
+          <a:effectRef idx="0">
+            <a:schemeClr val="accent1"/>
+          </a:effectRef>
+          <a:fontRef idx="minor">
+            <a:schemeClr val="tx1"/>
+          </a:fontRef>
+        </p:style>
+      </p:cxnSp>
     </p:spTree>
     <p:extLst>
       <p:ext uri="{BB962C8B-B14F-4D97-AF65-F5344CB8AC3E}">
-        <p14:creationId xmlns:p14="http://schemas.microsoft.com/office/powerpoint/2010/main" val="2638881771"/>
+        <p14:creationId xmlns:p14="http://schemas.microsoft.com/office/powerpoint/2010/main" val="426139285"/>
       </p:ext>
     </p:extLst>
   </p:cSld>
   <p:clrMapOvr>
-    <a:masterClrMapping/>
+    <a:overrideClrMapping bg1="dk1" tx1="lt1" bg2="dk2" tx2="lt2" accent1="accent1" accent2="accent2" accent3="accent3" accent4="accent4" accent5="accent5" accent6="accent6" hlink="hlink" folHlink="folHlink"/>
   </p:clrMapOvr>
 </p:sld>
 </file>
@@ -3875,7 +5208,7 @@
           <p:cNvPr id="2" name="Title 1">
             <a:extLst>
               <a:ext uri="{FF2B5EF4-FFF2-40B4-BE49-F238E27FC236}">
-                <a16:creationId xmlns:a16="http://schemas.microsoft.com/office/drawing/2014/main" id="{420B2C22-9207-477E-9348-54D71396C9A4}"/>
+                <a16:creationId xmlns:a16="http://schemas.microsoft.com/office/drawing/2014/main" id="{B00042B2-A657-4130-8F76-685DC29E9A53}"/>
               </a:ext>
             </a:extLst>
           </p:cNvPr>
@@ -3893,7 +5226,7 @@
           <a:p>
             <a:r>
               <a:rPr lang="en-US" dirty="0"/>
-              <a:t>Affects of Poverty () on HOR</a:t>
+              <a:t>Affects of Post-Secondary Schools (total) in County on HOR</a:t>
             </a:r>
           </a:p>
         </p:txBody>
@@ -3903,7 +5236,7 @@
           <p:cNvPr id="3" name="Content Placeholder 2">
             <a:extLst>
               <a:ext uri="{FF2B5EF4-FFF2-40B4-BE49-F238E27FC236}">
-                <a16:creationId xmlns:a16="http://schemas.microsoft.com/office/drawing/2014/main" id="{0D8FDF05-14EB-4D4E-9265-7F406EDFA06F}"/>
+                <a16:creationId xmlns:a16="http://schemas.microsoft.com/office/drawing/2014/main" id="{BD82F299-EF61-49BC-8A0F-33844A8C695E}"/>
               </a:ext>
             </a:extLst>
           </p:cNvPr>
@@ -3928,7 +5261,7 @@
           <p:cNvPr id="4" name="Content Placeholder 3">
             <a:extLst>
               <a:ext uri="{FF2B5EF4-FFF2-40B4-BE49-F238E27FC236}">
-                <a16:creationId xmlns:a16="http://schemas.microsoft.com/office/drawing/2014/main" id="{520C02F1-C7D3-4D2E-95F2-360F915D39E7}"/>
+                <a16:creationId xmlns:a16="http://schemas.microsoft.com/office/drawing/2014/main" id="{CAAB463E-C8F8-423E-A751-B06B45E85AF1}"/>
               </a:ext>
             </a:extLst>
           </p:cNvPr>
@@ -3951,7 +5284,7 @@
     </p:spTree>
     <p:extLst>
       <p:ext uri="{BB962C8B-B14F-4D97-AF65-F5344CB8AC3E}">
-        <p14:creationId xmlns:p14="http://schemas.microsoft.com/office/powerpoint/2010/main" val="3750937509"/>
+        <p14:creationId xmlns:p14="http://schemas.microsoft.com/office/powerpoint/2010/main" val="2148438560"/>
       </p:ext>
     </p:extLst>
   </p:cSld>
@@ -3983,7 +5316,7 @@
           <p:cNvPr id="2" name="Title 1">
             <a:extLst>
               <a:ext uri="{FF2B5EF4-FFF2-40B4-BE49-F238E27FC236}">
-                <a16:creationId xmlns:a16="http://schemas.microsoft.com/office/drawing/2014/main" id="{F06F506B-7CCF-481E-AE3F-034C0388A62B}"/>
+                <a16:creationId xmlns:a16="http://schemas.microsoft.com/office/drawing/2014/main" id="{3E683DCC-A398-4BE9-86F7-0C848FF91F05}"/>
               </a:ext>
             </a:extLst>
           </p:cNvPr>
@@ -4001,7 +5334,7 @@
           <a:p>
             <a:r>
               <a:rPr lang="en-US" dirty="0"/>
-              <a:t>Affects of Income on HOR</a:t>
+              <a:t>Affects of Crime Rates (per 100,000) on HOR</a:t>
             </a:r>
           </a:p>
         </p:txBody>
@@ -4011,7 +5344,7 @@
           <p:cNvPr id="3" name="Content Placeholder 2">
             <a:extLst>
               <a:ext uri="{FF2B5EF4-FFF2-40B4-BE49-F238E27FC236}">
-                <a16:creationId xmlns:a16="http://schemas.microsoft.com/office/drawing/2014/main" id="{31BCA242-0CEB-4E0F-959D-F023599D8E4D}"/>
+                <a16:creationId xmlns:a16="http://schemas.microsoft.com/office/drawing/2014/main" id="{15BC1EEC-92DE-4B1B-ADE8-DB9BBA759AAA}"/>
               </a:ext>
             </a:extLst>
           </p:cNvPr>
@@ -4036,7 +5369,7 @@
           <p:cNvPr id="4" name="Content Placeholder 3">
             <a:extLst>
               <a:ext uri="{FF2B5EF4-FFF2-40B4-BE49-F238E27FC236}">
-                <a16:creationId xmlns:a16="http://schemas.microsoft.com/office/drawing/2014/main" id="{2CBB780E-4D4E-40B5-91CD-4749D3A255EA}"/>
+                <a16:creationId xmlns:a16="http://schemas.microsoft.com/office/drawing/2014/main" id="{4D23D564-6A02-4C51-85F4-CEE49A69A060}"/>
               </a:ext>
             </a:extLst>
           </p:cNvPr>
@@ -4059,7 +5392,273 @@
     </p:spTree>
     <p:extLst>
       <p:ext uri="{BB962C8B-B14F-4D97-AF65-F5344CB8AC3E}">
-        <p14:creationId xmlns:p14="http://schemas.microsoft.com/office/powerpoint/2010/main" val="3589021501"/>
+        <p14:creationId xmlns:p14="http://schemas.microsoft.com/office/powerpoint/2010/main" val="3972942229"/>
+      </p:ext>
+    </p:extLst>
+  </p:cSld>
+  <p:clrMapOvr>
+    <a:masterClrMapping/>
+  </p:clrMapOvr>
+</p:sld>
+</file>
+
+<file path=ppt/slides/slide8.xml><?xml version="1.0" encoding="utf-8"?>
+<p:sld xmlns:a="http://schemas.openxmlformats.org/drawingml/2006/main" xmlns:r="http://schemas.openxmlformats.org/officeDocument/2006/relationships" xmlns:p="http://schemas.openxmlformats.org/presentationml/2006/main">
+  <p:cSld>
+    <p:spTree>
+      <p:nvGrpSpPr>
+        <p:cNvPr id="1" name=""/>
+        <p:cNvGrpSpPr/>
+        <p:nvPr/>
+      </p:nvGrpSpPr>
+      <p:grpSpPr>
+        <a:xfrm>
+          <a:off x="0" y="0"/>
+          <a:ext cx="0" cy="0"/>
+          <a:chOff x="0" y="0"/>
+          <a:chExt cx="0" cy="0"/>
+        </a:xfrm>
+      </p:grpSpPr>
+      <p:sp>
+        <p:nvSpPr>
+          <p:cNvPr id="2" name="Title 1">
+            <a:extLst>
+              <a:ext uri="{FF2B5EF4-FFF2-40B4-BE49-F238E27FC236}">
+                <a16:creationId xmlns:a16="http://schemas.microsoft.com/office/drawing/2014/main" id="{E1812024-91A2-41CE-A375-F23B1C34B017}"/>
+              </a:ext>
+            </a:extLst>
+          </p:cNvPr>
+          <p:cNvSpPr>
+            <a:spLocks noGrp="1"/>
+          </p:cNvSpPr>
+          <p:nvPr>
+            <p:ph type="title"/>
+          </p:nvPr>
+        </p:nvSpPr>
+        <p:spPr/>
+        <p:txBody>
+          <a:bodyPr/>
+          <a:lstStyle/>
+          <a:p>
+            <a:r>
+              <a:rPr lang="en-US" dirty="0"/>
+              <a:t>Affects of GDP (dollars) on HOR</a:t>
+            </a:r>
+          </a:p>
+        </p:txBody>
+      </p:sp>
+      <p:sp>
+        <p:nvSpPr>
+          <p:cNvPr id="3" name="Text Placeholder 2">
+            <a:extLst>
+              <a:ext uri="{FF2B5EF4-FFF2-40B4-BE49-F238E27FC236}">
+                <a16:creationId xmlns:a16="http://schemas.microsoft.com/office/drawing/2014/main" id="{38AE7491-752B-4841-8BBF-4E5EE45FD2B3}"/>
+              </a:ext>
+            </a:extLst>
+          </p:cNvPr>
+          <p:cNvSpPr>
+            <a:spLocks noGrp="1"/>
+          </p:cNvSpPr>
+          <p:nvPr>
+            <p:ph type="body" idx="1"/>
+          </p:nvPr>
+        </p:nvSpPr>
+        <p:spPr/>
+        <p:txBody>
+          <a:bodyPr/>
+          <a:lstStyle/>
+          <a:p>
+            <a:endParaRPr lang="en-US"/>
+          </a:p>
+        </p:txBody>
+      </p:sp>
+      <p:sp>
+        <p:nvSpPr>
+          <p:cNvPr id="4" name="Content Placeholder 3">
+            <a:extLst>
+              <a:ext uri="{FF2B5EF4-FFF2-40B4-BE49-F238E27FC236}">
+                <a16:creationId xmlns:a16="http://schemas.microsoft.com/office/drawing/2014/main" id="{8E315AD9-1813-42DC-BD8A-606395306393}"/>
+              </a:ext>
+            </a:extLst>
+          </p:cNvPr>
+          <p:cNvSpPr>
+            <a:spLocks noGrp="1"/>
+          </p:cNvSpPr>
+          <p:nvPr>
+            <p:ph sz="half" idx="2"/>
+          </p:nvPr>
+        </p:nvSpPr>
+        <p:spPr/>
+        <p:txBody>
+          <a:bodyPr/>
+          <a:lstStyle/>
+          <a:p>
+            <a:endParaRPr lang="en-US"/>
+          </a:p>
+        </p:txBody>
+      </p:sp>
+      <p:sp>
+        <p:nvSpPr>
+          <p:cNvPr id="5" name="Text Placeholder 4">
+            <a:extLst>
+              <a:ext uri="{FF2B5EF4-FFF2-40B4-BE49-F238E27FC236}">
+                <a16:creationId xmlns:a16="http://schemas.microsoft.com/office/drawing/2014/main" id="{B2643B5B-4585-4F7A-A3C0-29FE70B57A98}"/>
+              </a:ext>
+            </a:extLst>
+          </p:cNvPr>
+          <p:cNvSpPr>
+            <a:spLocks noGrp="1"/>
+          </p:cNvSpPr>
+          <p:nvPr>
+            <p:ph type="body" sz="quarter" idx="3"/>
+          </p:nvPr>
+        </p:nvSpPr>
+        <p:spPr/>
+        <p:txBody>
+          <a:bodyPr/>
+          <a:lstStyle/>
+          <a:p>
+            <a:endParaRPr lang="en-US"/>
+          </a:p>
+        </p:txBody>
+      </p:sp>
+      <p:sp>
+        <p:nvSpPr>
+          <p:cNvPr id="6" name="Content Placeholder 5">
+            <a:extLst>
+              <a:ext uri="{FF2B5EF4-FFF2-40B4-BE49-F238E27FC236}">
+                <a16:creationId xmlns:a16="http://schemas.microsoft.com/office/drawing/2014/main" id="{FBDCC086-5A42-4E10-9A52-D0A6B8A152A4}"/>
+              </a:ext>
+            </a:extLst>
+          </p:cNvPr>
+          <p:cNvSpPr>
+            <a:spLocks noGrp="1"/>
+          </p:cNvSpPr>
+          <p:nvPr>
+            <p:ph sz="quarter" idx="4"/>
+          </p:nvPr>
+        </p:nvSpPr>
+        <p:spPr/>
+        <p:txBody>
+          <a:bodyPr/>
+          <a:lstStyle/>
+          <a:p>
+            <a:endParaRPr lang="en-US"/>
+          </a:p>
+        </p:txBody>
+      </p:sp>
+    </p:spTree>
+    <p:extLst>
+      <p:ext uri="{BB962C8B-B14F-4D97-AF65-F5344CB8AC3E}">
+        <p14:creationId xmlns:p14="http://schemas.microsoft.com/office/powerpoint/2010/main" val="2638881771"/>
+      </p:ext>
+    </p:extLst>
+  </p:cSld>
+  <p:clrMapOvr>
+    <a:masterClrMapping/>
+  </p:clrMapOvr>
+</p:sld>
+</file>
+
+<file path=ppt/slides/slide9.xml><?xml version="1.0" encoding="utf-8"?>
+<p:sld xmlns:a="http://schemas.openxmlformats.org/drawingml/2006/main" xmlns:r="http://schemas.openxmlformats.org/officeDocument/2006/relationships" xmlns:p="http://schemas.openxmlformats.org/presentationml/2006/main">
+  <p:cSld>
+    <p:spTree>
+      <p:nvGrpSpPr>
+        <p:cNvPr id="1" name=""/>
+        <p:cNvGrpSpPr/>
+        <p:nvPr/>
+      </p:nvGrpSpPr>
+      <p:grpSpPr>
+        <a:xfrm>
+          <a:off x="0" y="0"/>
+          <a:ext cx="0" cy="0"/>
+          <a:chOff x="0" y="0"/>
+          <a:chExt cx="0" cy="0"/>
+        </a:xfrm>
+      </p:grpSpPr>
+      <p:sp>
+        <p:nvSpPr>
+          <p:cNvPr id="2" name="Title 1">
+            <a:extLst>
+              <a:ext uri="{FF2B5EF4-FFF2-40B4-BE49-F238E27FC236}">
+                <a16:creationId xmlns:a16="http://schemas.microsoft.com/office/drawing/2014/main" id="{420B2C22-9207-477E-9348-54D71396C9A4}"/>
+              </a:ext>
+            </a:extLst>
+          </p:cNvPr>
+          <p:cNvSpPr>
+            <a:spLocks noGrp="1"/>
+          </p:cNvSpPr>
+          <p:nvPr>
+            <p:ph type="title"/>
+          </p:nvPr>
+        </p:nvSpPr>
+        <p:spPr/>
+        <p:txBody>
+          <a:bodyPr/>
+          <a:lstStyle/>
+          <a:p>
+            <a:r>
+              <a:rPr lang="en-US" dirty="0"/>
+              <a:t>Affects of Poverty () on HOR</a:t>
+            </a:r>
+          </a:p>
+        </p:txBody>
+      </p:sp>
+      <p:sp>
+        <p:nvSpPr>
+          <p:cNvPr id="3" name="Content Placeholder 2">
+            <a:extLst>
+              <a:ext uri="{FF2B5EF4-FFF2-40B4-BE49-F238E27FC236}">
+                <a16:creationId xmlns:a16="http://schemas.microsoft.com/office/drawing/2014/main" id="{0D8FDF05-14EB-4D4E-9265-7F406EDFA06F}"/>
+              </a:ext>
+            </a:extLst>
+          </p:cNvPr>
+          <p:cNvSpPr>
+            <a:spLocks noGrp="1"/>
+          </p:cNvSpPr>
+          <p:nvPr>
+            <p:ph sz="half" idx="1"/>
+          </p:nvPr>
+        </p:nvSpPr>
+        <p:spPr/>
+        <p:txBody>
+          <a:bodyPr/>
+          <a:lstStyle/>
+          <a:p>
+            <a:endParaRPr lang="en-US"/>
+          </a:p>
+        </p:txBody>
+      </p:sp>
+      <p:sp>
+        <p:nvSpPr>
+          <p:cNvPr id="4" name="Content Placeholder 3">
+            <a:extLst>
+              <a:ext uri="{FF2B5EF4-FFF2-40B4-BE49-F238E27FC236}">
+                <a16:creationId xmlns:a16="http://schemas.microsoft.com/office/drawing/2014/main" id="{520C02F1-C7D3-4D2E-95F2-360F915D39E7}"/>
+              </a:ext>
+            </a:extLst>
+          </p:cNvPr>
+          <p:cNvSpPr>
+            <a:spLocks noGrp="1"/>
+          </p:cNvSpPr>
+          <p:nvPr>
+            <p:ph sz="half" idx="2"/>
+          </p:nvPr>
+        </p:nvSpPr>
+        <p:spPr/>
+        <p:txBody>
+          <a:bodyPr/>
+          <a:lstStyle/>
+          <a:p>
+            <a:endParaRPr lang="en-US"/>
+          </a:p>
+        </p:txBody>
+      </p:sp>
+    </p:spTree>
+    <p:extLst>
+      <p:ext uri="{BB962C8B-B14F-4D97-AF65-F5344CB8AC3E}">
+        <p14:creationId xmlns:p14="http://schemas.microsoft.com/office/powerpoint/2010/main" val="3750937509"/>
       </p:ext>
     </p:extLst>
   </p:cSld>
